--- a/[TSOF] - Aula5_TesteAceite.pptx
+++ b/[TSOF] - Aula5_TesteAceite.pptx
@@ -5,28 +5,26 @@
     <p:sldMasterId id="2147483648" r:id="rId3"/>
   </p:sldMasterIdLst>
   <p:notesMasterIdLst>
-    <p:notesMasterId r:id="rId20"/>
+    <p:notesMasterId r:id="rId18"/>
   </p:notesMasterIdLst>
   <p:handoutMasterIdLst>
-    <p:handoutMasterId r:id="rId21"/>
+    <p:handoutMasterId r:id="rId19"/>
   </p:handoutMasterIdLst>
   <p:sldIdLst>
     <p:sldId id="298" r:id="rId4"/>
     <p:sldId id="299" r:id="rId5"/>
     <p:sldId id="300" r:id="rId6"/>
     <p:sldId id="340" r:id="rId7"/>
-    <p:sldId id="353" r:id="rId8"/>
-    <p:sldId id="354" r:id="rId9"/>
+    <p:sldId id="354" r:id="rId8"/>
+    <p:sldId id="353" r:id="rId9"/>
     <p:sldId id="355" r:id="rId10"/>
     <p:sldId id="356" r:id="rId11"/>
-    <p:sldId id="357" r:id="rId12"/>
-    <p:sldId id="358" r:id="rId13"/>
-    <p:sldId id="359" r:id="rId14"/>
-    <p:sldId id="360" r:id="rId15"/>
-    <p:sldId id="361" r:id="rId16"/>
-    <p:sldId id="362" r:id="rId17"/>
-    <p:sldId id="363" r:id="rId18"/>
-    <p:sldId id="352" r:id="rId19"/>
+    <p:sldId id="361" r:id="rId12"/>
+    <p:sldId id="357" r:id="rId13"/>
+    <p:sldId id="358" r:id="rId14"/>
+    <p:sldId id="359" r:id="rId15"/>
+    <p:sldId id="360" r:id="rId16"/>
+    <p:sldId id="352" r:id="rId17"/>
   </p:sldIdLst>
   <p:sldSz cx="12192000" cy="6858000"/>
   <p:notesSz cx="6858000" cy="9144000"/>
@@ -232,7 +230,7 @@
             <a:pPr rtl="0"/>
             <a:fld id="{59696519-77A5-42E9-9F7C-68841B76CE9F}" type="datetime1">
               <a:rPr lang="pt-BR" smtClean="0"/>
-              <a:t>06/03/2025</a:t>
+              <a:t>13/03/2025</a:t>
             </a:fld>
             <a:endParaRPr lang="pt-BR" dirty="0"/>
           </a:p>
@@ -413,7 +411,7 @@
             <a:fld id="{DBE01C0E-6041-40BD-877C-FB9FBD0CE1C9}" type="datetime1">
               <a:rPr lang="pt-BR" smtClean="0"/>
               <a:pPr/>
-              <a:t>06/03/2025</a:t>
+              <a:t>13/03/2025</a:t>
             </a:fld>
             <a:endParaRPr lang="pt-BR" dirty="0"/>
           </a:p>
@@ -3029,7 +3027,7 @@
           <a:p>
             <a:fld id="{20B09755-C293-4A33-93C2-79B01653C9ED}" type="datetimeFigureOut">
               <a:rPr lang="pt-BR" smtClean="0"/>
-              <a:t>06/03/2025</a:t>
+              <a:t>13/03/2025</a:t>
             </a:fld>
             <a:endParaRPr lang="pt-BR"/>
           </a:p>
@@ -7754,7 +7752,7 @@
         <p:cNvPr id="1" name="">
           <a:extLst>
             <a:ext uri="{FF2B5EF4-FFF2-40B4-BE49-F238E27FC236}">
-              <a16:creationId xmlns:a16="http://schemas.microsoft.com/office/drawing/2014/main" id="{FFCD9414-F9F8-1376-5AAD-0E307D37594E}"/>
+              <a16:creationId xmlns:a16="http://schemas.microsoft.com/office/drawing/2014/main" id="{87C1CDB3-0E13-8694-E1A0-06A82D284BB2}"/>
             </a:ext>
           </a:extLst>
         </p:cNvPr>
@@ -7774,7 +7772,7 @@
           <p:cNvPr id="9" name="Picture 4" descr="Não perca: nova turma do curso de Mestre de Obras em Campinas | Sinduscon-SP">
             <a:extLst>
               <a:ext uri="{FF2B5EF4-FFF2-40B4-BE49-F238E27FC236}">
-                <a16:creationId xmlns:a16="http://schemas.microsoft.com/office/drawing/2014/main" id="{68F05980-C4B1-58B6-5278-DCFDB037EE06}"/>
+                <a16:creationId xmlns:a16="http://schemas.microsoft.com/office/drawing/2014/main" id="{3A6A3CFB-8227-335F-69AB-7D6CFB107FC6}"/>
               </a:ext>
             </a:extLst>
           </p:cNvPr>
@@ -7821,7 +7819,7 @@
           <p:cNvPr id="11" name="Título 6">
             <a:extLst>
               <a:ext uri="{FF2B5EF4-FFF2-40B4-BE49-F238E27FC236}">
-                <a16:creationId xmlns:a16="http://schemas.microsoft.com/office/drawing/2014/main" id="{280C12CD-608F-44F8-B05D-0D4DB60EE216}"/>
+                <a16:creationId xmlns:a16="http://schemas.microsoft.com/office/drawing/2014/main" id="{B1E18CF0-952B-C2F9-BAD5-B0B39338380C}"/>
               </a:ext>
             </a:extLst>
           </p:cNvPr>
@@ -7882,24 +7880,25 @@
       </p:sp>
       <p:sp>
         <p:nvSpPr>
-          <p:cNvPr id="2" name="Retângulo 1">
-            <a:extLst>
-              <a:ext uri="{FF2B5EF4-FFF2-40B4-BE49-F238E27FC236}">
-                <a16:creationId xmlns:a16="http://schemas.microsoft.com/office/drawing/2014/main" id="{C1DEF1C4-2197-3B5A-B987-CCA7710573C4}"/>
-              </a:ext>
-            </a:extLst>
-          </p:cNvPr>
-          <p:cNvSpPr/>
+          <p:cNvPr id="4" name="CaixaDeTexto 3">
+            <a:extLst>
+              <a:ext uri="{FF2B5EF4-FFF2-40B4-BE49-F238E27FC236}">
+                <a16:creationId xmlns:a16="http://schemas.microsoft.com/office/drawing/2014/main" id="{011236AF-6605-54BF-C975-A5ED79FFAFF8}"/>
+              </a:ext>
+            </a:extLst>
+          </p:cNvPr>
+          <p:cNvSpPr txBox="1"/>
           <p:nvPr/>
         </p:nvSpPr>
         <p:spPr>
           <a:xfrm>
-            <a:off x="261003" y="2294132"/>
-            <a:ext cx="11791817" cy="4154984"/>
+            <a:off x="432000" y="1061883"/>
+            <a:ext cx="11328000" cy="5170646"/>
           </a:xfrm>
           <a:prstGeom prst="rect">
             <a:avLst/>
           </a:prstGeom>
+          <a:noFill/>
         </p:spPr>
         <p:txBody>
           <a:bodyPr wrap="square">
@@ -7907,12 +7906,49 @@
           </a:bodyPr>
           <a:lstStyle/>
           <a:p>
+            <a:pPr>
+              <a:buNone/>
+            </a:pPr>
             <a:r>
               <a:rPr lang="pt-BR" sz="3000" b="1" dirty="0">
                 <a:latin typeface="Arial" panose="020B0604020202020204" pitchFamily="34" charset="0"/>
                 <a:cs typeface="Arial" panose="020B0604020202020204" pitchFamily="34" charset="0"/>
               </a:rPr>
-              <a:t>Boas Práticas para Redação de Testes de Aceitação:</a:t>
+              <a:t>Execução e Automação de Testes de Aceitação </a:t>
+            </a:r>
+          </a:p>
+          <a:p>
+            <a:pPr>
+              <a:buNone/>
+            </a:pPr>
+            <a:endParaRPr lang="pt-BR" sz="3000" b="1" dirty="0">
+              <a:latin typeface="Arial" panose="020B0604020202020204" pitchFamily="34" charset="0"/>
+              <a:cs typeface="Arial" panose="020B0604020202020204" pitchFamily="34" charset="0"/>
+            </a:endParaRPr>
+          </a:p>
+          <a:p>
+            <a:pPr>
+              <a:buNone/>
+            </a:pPr>
+            <a:r>
+              <a:rPr lang="pt-BR" sz="3000" b="1" dirty="0">
+                <a:latin typeface="Arial" panose="020B0604020202020204" pitchFamily="34" charset="0"/>
+                <a:cs typeface="Arial" panose="020B0604020202020204" pitchFamily="34" charset="0"/>
+              </a:rPr>
+              <a:t>Execução de Testes de Aceitação </a:t>
+            </a:r>
+          </a:p>
+          <a:p>
+            <a:pPr>
+              <a:buFont typeface="Arial" panose="020B0604020202020204" pitchFamily="34" charset="0"/>
+              <a:buChar char="•"/>
+            </a:pPr>
+            <a:r>
+              <a:rPr lang="pt-BR" sz="3000" b="1" dirty="0">
+                <a:latin typeface="Arial" panose="020B0604020202020204" pitchFamily="34" charset="0"/>
+                <a:cs typeface="Arial" panose="020B0604020202020204" pitchFamily="34" charset="0"/>
+              </a:rPr>
+              <a:t>Preparando o Ambiente de Testes:</a:t>
             </a:r>
             <a:endParaRPr lang="pt-BR" sz="3000" dirty="0">
               <a:latin typeface="Arial" panose="020B0604020202020204" pitchFamily="34" charset="0"/>
@@ -7920,118 +7956,72 @@
             </a:endParaRPr>
           </a:p>
           <a:p>
-            <a:pPr lvl="1"/>
+            <a:pPr marL="742950" lvl="1" indent="-285750">
+              <a:buFont typeface="Arial" panose="020B0604020202020204" pitchFamily="34" charset="0"/>
+              <a:buChar char="•"/>
+            </a:pPr>
             <a:r>
               <a:rPr lang="pt-BR" sz="3000" dirty="0">
                 <a:latin typeface="Arial" panose="020B0604020202020204" pitchFamily="34" charset="0"/>
                 <a:cs typeface="Arial" panose="020B0604020202020204" pitchFamily="34" charset="0"/>
               </a:rPr>
-              <a:t>Clareza e objetividade nos cenários.</a:t>
-            </a:r>
-          </a:p>
-          <a:p>
-            <a:pPr lvl="1"/>
+              <a:t>Configuração de ambiente semelhante ao de produção.</a:t>
+            </a:r>
+          </a:p>
+          <a:p>
+            <a:pPr marL="742950" lvl="1" indent="-285750">
+              <a:buFont typeface="Arial" panose="020B0604020202020204" pitchFamily="34" charset="0"/>
+              <a:buChar char="•"/>
+            </a:pPr>
             <a:r>
               <a:rPr lang="pt-BR" sz="3000" dirty="0">
                 <a:latin typeface="Arial" panose="020B0604020202020204" pitchFamily="34" charset="0"/>
                 <a:cs typeface="Arial" panose="020B0604020202020204" pitchFamily="34" charset="0"/>
               </a:rPr>
-              <a:t>Cobertura de casos positivos e negativos.</a:t>
-            </a:r>
-          </a:p>
-          <a:p>
-            <a:pPr lvl="1"/>
+              <a:t>Disponibilidade de dados de teste representativos.</a:t>
+            </a:r>
+          </a:p>
+          <a:p>
+            <a:pPr>
+              <a:buFont typeface="Arial" panose="020B0604020202020204" pitchFamily="34" charset="0"/>
+              <a:buChar char="•"/>
+            </a:pPr>
+            <a:r>
+              <a:rPr lang="pt-BR" sz="3000" b="1" dirty="0">
+                <a:latin typeface="Arial" panose="020B0604020202020204" pitchFamily="34" charset="0"/>
+                <a:cs typeface="Arial" panose="020B0604020202020204" pitchFamily="34" charset="0"/>
+              </a:rPr>
+              <a:t>Execução Manual vs. Automática:</a:t>
+            </a:r>
             <a:endParaRPr lang="pt-BR" sz="3000" dirty="0">
               <a:latin typeface="Arial" panose="020B0604020202020204" pitchFamily="34" charset="0"/>
               <a:cs typeface="Arial" panose="020B0604020202020204" pitchFamily="34" charset="0"/>
             </a:endParaRPr>
           </a:p>
           <a:p>
-            <a:r>
-              <a:rPr lang="pt-BR" sz="3000" b="1" dirty="0">
+            <a:pPr marL="742950" lvl="1" indent="-285750">
+              <a:buFont typeface="Arial" panose="020B0604020202020204" pitchFamily="34" charset="0"/>
+              <a:buChar char="•"/>
+            </a:pPr>
+            <a:r>
+              <a:rPr lang="pt-BR" sz="3000" dirty="0">
                 <a:latin typeface="Arial" panose="020B0604020202020204" pitchFamily="34" charset="0"/>
                 <a:cs typeface="Arial" panose="020B0604020202020204" pitchFamily="34" charset="0"/>
               </a:rPr>
-              <a:t>Workshop: Criando casos de teste para um sistema fictício.</a:t>
-            </a:r>
-          </a:p>
-          <a:p>
-            <a:r>
-              <a:rPr lang="pt-BR" sz="2800" b="1" dirty="0">
+              <a:t>Testes manuais: quando são necessários feedbacks qualitativos dos usuários.</a:t>
+            </a:r>
+          </a:p>
+          <a:p>
+            <a:pPr marL="742950" lvl="1" indent="-285750">
+              <a:buFont typeface="Arial" panose="020B0604020202020204" pitchFamily="34" charset="0"/>
+              <a:buChar char="•"/>
+            </a:pPr>
+            <a:r>
+              <a:rPr lang="pt-BR" sz="3000" dirty="0">
                 <a:latin typeface="Arial" panose="020B0604020202020204" pitchFamily="34" charset="0"/>
                 <a:cs typeface="Arial" panose="020B0604020202020204" pitchFamily="34" charset="0"/>
               </a:rPr>
-              <a:t>Registro de Evidências e Relatórios de Defeitos:</a:t>
-            </a:r>
-            <a:endParaRPr lang="pt-BR" sz="2800" dirty="0">
-              <a:latin typeface="Arial" panose="020B0604020202020204" pitchFamily="34" charset="0"/>
-              <a:cs typeface="Arial" panose="020B0604020202020204" pitchFamily="34" charset="0"/>
-            </a:endParaRPr>
-          </a:p>
-          <a:p>
-            <a:pPr lvl="1"/>
-            <a:r>
-              <a:rPr lang="pt-BR" sz="2800" dirty="0">
-                <a:latin typeface="Arial" panose="020B0604020202020204" pitchFamily="34" charset="0"/>
-                <a:cs typeface="Arial" panose="020B0604020202020204" pitchFamily="34" charset="0"/>
-              </a:rPr>
-              <a:t>Captura de logs, prints e vídeos.</a:t>
-            </a:r>
-          </a:p>
-          <a:p>
-            <a:pPr lvl="1"/>
-            <a:r>
-              <a:rPr lang="pt-BR" sz="2800" dirty="0">
-                <a:latin typeface="Arial" panose="020B0604020202020204" pitchFamily="34" charset="0"/>
-                <a:cs typeface="Arial" panose="020B0604020202020204" pitchFamily="34" charset="0"/>
-              </a:rPr>
-              <a:t>Registro detalhado do comportamento esperado vs. real.</a:t>
-            </a:r>
-          </a:p>
-          <a:p>
-            <a:endParaRPr lang="pt-BR" sz="3000" dirty="0">
-              <a:latin typeface="Arial" panose="020B0604020202020204" pitchFamily="34" charset="0"/>
-              <a:cs typeface="Arial" panose="020B0604020202020204" pitchFamily="34" charset="0"/>
-            </a:endParaRPr>
-          </a:p>
-        </p:txBody>
-      </p:sp>
-      <p:sp>
-        <p:nvSpPr>
-          <p:cNvPr id="3" name="Retângulo 2">
-            <a:extLst>
-              <a:ext uri="{FF2B5EF4-FFF2-40B4-BE49-F238E27FC236}">
-                <a16:creationId xmlns:a16="http://schemas.microsoft.com/office/drawing/2014/main" id="{7629198B-D687-42D3-BAA3-984B000E7B5E}"/>
-              </a:ext>
-            </a:extLst>
-          </p:cNvPr>
-          <p:cNvSpPr/>
-          <p:nvPr/>
-        </p:nvSpPr>
-        <p:spPr>
-          <a:xfrm>
-            <a:off x="261003" y="1045683"/>
-            <a:ext cx="7445436" cy="584775"/>
-          </a:xfrm>
-          <a:prstGeom prst="rect">
-            <a:avLst/>
-          </a:prstGeom>
-        </p:spPr>
-        <p:txBody>
-          <a:bodyPr wrap="none">
-            <a:spAutoFit/>
-          </a:bodyPr>
-          <a:lstStyle/>
-          <a:p>
-            <a:r>
-              <a:rPr lang="pt-BR" sz="3200" b="1" dirty="0">
-                <a:solidFill>
-                  <a:srgbClr val="C00000"/>
-                </a:solidFill>
-                <a:latin typeface="Arial" panose="020B0604020202020204" pitchFamily="34" charset="0"/>
-                <a:cs typeface="Arial" panose="020B0604020202020204" pitchFamily="34" charset="0"/>
-              </a:rPr>
-              <a:t>Planejamento de Testes de Aceitação</a:t>
+              <a:t>Testes automatizados: maior eficiência na repetição e consistência na execução.</a:t>
             </a:r>
           </a:p>
         </p:txBody>
@@ -8039,7 +8029,7 @@
     </p:spTree>
     <p:extLst>
       <p:ext uri="{BB962C8B-B14F-4D97-AF65-F5344CB8AC3E}">
-        <p14:creationId xmlns:p14="http://schemas.microsoft.com/office/powerpoint/2010/main" val="1381041201"/>
+        <p14:creationId xmlns:p14="http://schemas.microsoft.com/office/powerpoint/2010/main" val="4178421746"/>
       </p:ext>
     </p:extLst>
   </p:cSld>
@@ -8057,7 +8047,7 @@
         <p:cNvPr id="1" name="">
           <a:extLst>
             <a:ext uri="{FF2B5EF4-FFF2-40B4-BE49-F238E27FC236}">
-              <a16:creationId xmlns:a16="http://schemas.microsoft.com/office/drawing/2014/main" id="{FFCD9414-F9F8-1376-5AAD-0E307D37594E}"/>
+              <a16:creationId xmlns:a16="http://schemas.microsoft.com/office/drawing/2014/main" id="{5F5B0621-5E91-ACDF-1CB8-9476ECEBFB2F}"/>
             </a:ext>
           </a:extLst>
         </p:cNvPr>
@@ -8077,7 +8067,7 @@
           <p:cNvPr id="9" name="Picture 4" descr="Não perca: nova turma do curso de Mestre de Obras em Campinas | Sinduscon-SP">
             <a:extLst>
               <a:ext uri="{FF2B5EF4-FFF2-40B4-BE49-F238E27FC236}">
-                <a16:creationId xmlns:a16="http://schemas.microsoft.com/office/drawing/2014/main" id="{68F05980-C4B1-58B6-5278-DCFDB037EE06}"/>
+                <a16:creationId xmlns:a16="http://schemas.microsoft.com/office/drawing/2014/main" id="{574157C7-C747-D5F2-EC26-41AD3C62933E}"/>
               </a:ext>
             </a:extLst>
           </p:cNvPr>
@@ -8124,7 +8114,7 @@
           <p:cNvPr id="11" name="Título 6">
             <a:extLst>
               <a:ext uri="{FF2B5EF4-FFF2-40B4-BE49-F238E27FC236}">
-                <a16:creationId xmlns:a16="http://schemas.microsoft.com/office/drawing/2014/main" id="{280C12CD-608F-44F8-B05D-0D4DB60EE216}"/>
+                <a16:creationId xmlns:a16="http://schemas.microsoft.com/office/drawing/2014/main" id="{E2E42A5A-C8F2-5C87-25AB-7B0F61B6E192}"/>
               </a:ext>
             </a:extLst>
           </p:cNvPr>
@@ -8185,24 +8175,25 @@
       </p:sp>
       <p:sp>
         <p:nvSpPr>
-          <p:cNvPr id="2" name="Retângulo 1">
-            <a:extLst>
-              <a:ext uri="{FF2B5EF4-FFF2-40B4-BE49-F238E27FC236}">
-                <a16:creationId xmlns:a16="http://schemas.microsoft.com/office/drawing/2014/main" id="{C1DEF1C4-2197-3B5A-B987-CCA7710573C4}"/>
-              </a:ext>
-            </a:extLst>
-          </p:cNvPr>
-          <p:cNvSpPr/>
+          <p:cNvPr id="4" name="CaixaDeTexto 3">
+            <a:extLst>
+              <a:ext uri="{FF2B5EF4-FFF2-40B4-BE49-F238E27FC236}">
+                <a16:creationId xmlns:a16="http://schemas.microsoft.com/office/drawing/2014/main" id="{4C758306-A3B2-530E-B290-50047D8BFA6A}"/>
+              </a:ext>
+            </a:extLst>
+          </p:cNvPr>
+          <p:cNvSpPr txBox="1"/>
           <p:nvPr/>
         </p:nvSpPr>
         <p:spPr>
           <a:xfrm>
-            <a:off x="200091" y="1712807"/>
-            <a:ext cx="11791817" cy="5398594"/>
+            <a:off x="432000" y="1061883"/>
+            <a:ext cx="11328000" cy="1938992"/>
           </a:xfrm>
           <a:prstGeom prst="rect">
             <a:avLst/>
           </a:prstGeom>
+          <a:noFill/>
         </p:spPr>
         <p:txBody>
           <a:bodyPr wrap="square">
@@ -8211,144 +8202,47 @@
           <a:lstStyle/>
           <a:p>
             <a:pPr>
-              <a:lnSpc>
-                <a:spcPct val="150000"/>
-              </a:lnSpc>
+              <a:buNone/>
             </a:pPr>
             <a:r>
-              <a:rPr lang="pt-BR" sz="2800" b="1" dirty="0">
+              <a:rPr lang="pt-BR" sz="3000" b="1" dirty="0">
                 <a:latin typeface="Arial" panose="020B0604020202020204" pitchFamily="34" charset="0"/>
                 <a:cs typeface="Arial" panose="020B0604020202020204" pitchFamily="34" charset="0"/>
               </a:rPr>
-              <a:t>Finalização da Compra com Cartão de Crédito</a:t>
-            </a:r>
-            <a:endParaRPr lang="pt-BR" sz="2800" dirty="0">
+              <a:t>Registro de Evidências e Relatórios de Defeitos:</a:t>
+            </a:r>
+          </a:p>
+          <a:p>
+            <a:pPr>
+              <a:buNone/>
+            </a:pPr>
+            <a:endParaRPr lang="pt-BR" sz="3000" dirty="0">
               <a:latin typeface="Arial" panose="020B0604020202020204" pitchFamily="34" charset="0"/>
               <a:cs typeface="Arial" panose="020B0604020202020204" pitchFamily="34" charset="0"/>
             </a:endParaRPr>
           </a:p>
           <a:p>
-            <a:pPr lvl="1">
-              <a:lnSpc>
-                <a:spcPct val="150000"/>
-              </a:lnSpc>
+            <a:pPr>
+              <a:buNone/>
             </a:pPr>
             <a:r>
-              <a:rPr lang="pt-BR" sz="2800" b="1" dirty="0">
+              <a:rPr lang="pt-BR" sz="3000" dirty="0">
                 <a:latin typeface="Arial" panose="020B0604020202020204" pitchFamily="34" charset="0"/>
                 <a:cs typeface="Arial" panose="020B0604020202020204" pitchFamily="34" charset="0"/>
               </a:rPr>
-              <a:t>Entrada</a:t>
-            </a:r>
-            <a:r>
-              <a:rPr lang="pt-BR" sz="2800" dirty="0">
+              <a:t>Captura de logs, prints e vídeos.</a:t>
+            </a:r>
+          </a:p>
+          <a:p>
+            <a:pPr>
+              <a:buNone/>
+            </a:pPr>
+            <a:r>
+              <a:rPr lang="pt-BR" sz="3000" dirty="0">
                 <a:latin typeface="Arial" panose="020B0604020202020204" pitchFamily="34" charset="0"/>
                 <a:cs typeface="Arial" panose="020B0604020202020204" pitchFamily="34" charset="0"/>
               </a:rPr>
-              <a:t>: Cliente insere os dados do cartão corretamente e confirma o pagamento.</a:t>
-            </a:r>
-          </a:p>
-          <a:p>
-            <a:pPr lvl="1"/>
-            <a:r>
-              <a:rPr lang="pt-BR" sz="2800" b="1" dirty="0">
-                <a:latin typeface="Arial" panose="020B0604020202020204" pitchFamily="34" charset="0"/>
-                <a:cs typeface="Arial" panose="020B0604020202020204" pitchFamily="34" charset="0"/>
-              </a:rPr>
-              <a:t>Resultado esperado</a:t>
-            </a:r>
-            <a:r>
-              <a:rPr lang="pt-BR" sz="2800" dirty="0">
-                <a:latin typeface="Arial" panose="020B0604020202020204" pitchFamily="34" charset="0"/>
-                <a:cs typeface="Arial" panose="020B0604020202020204" pitchFamily="34" charset="0"/>
-              </a:rPr>
-              <a:t>: Compra aprovada e </a:t>
-            </a:r>
-            <a:r>
-              <a:rPr lang="pt-BR" sz="2800" dirty="0" err="1">
-                <a:latin typeface="Arial" panose="020B0604020202020204" pitchFamily="34" charset="0"/>
-                <a:cs typeface="Arial" panose="020B0604020202020204" pitchFamily="34" charset="0"/>
-              </a:rPr>
-              <a:t>email</a:t>
-            </a:r>
-            <a:r>
-              <a:rPr lang="pt-BR" sz="2800" dirty="0">
-                <a:latin typeface="Arial" panose="020B0604020202020204" pitchFamily="34" charset="0"/>
-                <a:cs typeface="Arial" panose="020B0604020202020204" pitchFamily="34" charset="0"/>
-              </a:rPr>
-              <a:t> de confirmação enviado.</a:t>
-            </a:r>
-          </a:p>
-          <a:p>
-            <a:pPr lvl="1">
-              <a:lnSpc>
-                <a:spcPct val="150000"/>
-              </a:lnSpc>
-            </a:pPr>
-            <a:r>
-              <a:rPr lang="pt-BR" sz="2800" b="1" dirty="0">
-                <a:latin typeface="Arial" panose="020B0604020202020204" pitchFamily="34" charset="0"/>
-                <a:cs typeface="Arial" panose="020B0604020202020204" pitchFamily="34" charset="0"/>
-              </a:rPr>
-              <a:t>Falha identificada:</a:t>
-            </a:r>
-            <a:r>
-              <a:rPr lang="pt-BR" sz="2800" dirty="0">
-                <a:latin typeface="Arial" panose="020B0604020202020204" pitchFamily="34" charset="0"/>
-                <a:cs typeface="Arial" panose="020B0604020202020204" pitchFamily="34" charset="0"/>
-              </a:rPr>
-              <a:t> Mensagem de erro "Pagamento não autorizado" exibida incorretamente, após o valor ser debitado da conta e ser emitida a nota fiscal. </a:t>
-            </a:r>
-          </a:p>
-          <a:p>
-            <a:pPr>
-              <a:lnSpc>
-                <a:spcPct val="150000"/>
-              </a:lnSpc>
-            </a:pPr>
-            <a:endParaRPr lang="pt-BR" sz="2800" dirty="0">
-              <a:latin typeface="Arial" panose="020B0604020202020204" pitchFamily="34" charset="0"/>
-              <a:cs typeface="Arial" panose="020B0604020202020204" pitchFamily="34" charset="0"/>
-            </a:endParaRPr>
-          </a:p>
-        </p:txBody>
-      </p:sp>
-      <p:sp>
-        <p:nvSpPr>
-          <p:cNvPr id="3" name="Retângulo 2">
-            <a:extLst>
-              <a:ext uri="{FF2B5EF4-FFF2-40B4-BE49-F238E27FC236}">
-                <a16:creationId xmlns:a16="http://schemas.microsoft.com/office/drawing/2014/main" id="{7629198B-D687-42D3-BAA3-984B000E7B5E}"/>
-              </a:ext>
-            </a:extLst>
-          </p:cNvPr>
-          <p:cNvSpPr/>
-          <p:nvPr/>
-        </p:nvSpPr>
-        <p:spPr>
-          <a:xfrm>
-            <a:off x="261003" y="1045683"/>
-            <a:ext cx="7445436" cy="584775"/>
-          </a:xfrm>
-          <a:prstGeom prst="rect">
-            <a:avLst/>
-          </a:prstGeom>
-        </p:spPr>
-        <p:txBody>
-          <a:bodyPr wrap="none">
-            <a:spAutoFit/>
-          </a:bodyPr>
-          <a:lstStyle/>
-          <a:p>
-            <a:r>
-              <a:rPr lang="pt-BR" sz="3200" b="1" dirty="0">
-                <a:solidFill>
-                  <a:srgbClr val="C00000"/>
-                </a:solidFill>
-                <a:latin typeface="Arial" panose="020B0604020202020204" pitchFamily="34" charset="0"/>
-                <a:cs typeface="Arial" panose="020B0604020202020204" pitchFamily="34" charset="0"/>
-              </a:rPr>
-              <a:t>Planejamento de Testes de Aceitação</a:t>
+              <a:t>Registro detalhado do comportamento esperado vs. real.</a:t>
             </a:r>
           </a:p>
         </p:txBody>
@@ -8356,7 +8250,7 @@
     </p:spTree>
     <p:extLst>
       <p:ext uri="{BB962C8B-B14F-4D97-AF65-F5344CB8AC3E}">
-        <p14:creationId xmlns:p14="http://schemas.microsoft.com/office/powerpoint/2010/main" val="1518787069"/>
+        <p14:creationId xmlns:p14="http://schemas.microsoft.com/office/powerpoint/2010/main" val="469208349"/>
       </p:ext>
     </p:extLst>
   </p:cSld>
@@ -8374,7 +8268,7 @@
         <p:cNvPr id="1" name="">
           <a:extLst>
             <a:ext uri="{FF2B5EF4-FFF2-40B4-BE49-F238E27FC236}">
-              <a16:creationId xmlns:a16="http://schemas.microsoft.com/office/drawing/2014/main" id="{FFCD9414-F9F8-1376-5AAD-0E307D37594E}"/>
+              <a16:creationId xmlns:a16="http://schemas.microsoft.com/office/drawing/2014/main" id="{30CEA872-F9EC-1AF4-167C-34F05880D468}"/>
             </a:ext>
           </a:extLst>
         </p:cNvPr>
@@ -8394,7 +8288,7 @@
           <p:cNvPr id="9" name="Picture 4" descr="Não perca: nova turma do curso de Mestre de Obras em Campinas | Sinduscon-SP">
             <a:extLst>
               <a:ext uri="{FF2B5EF4-FFF2-40B4-BE49-F238E27FC236}">
-                <a16:creationId xmlns:a16="http://schemas.microsoft.com/office/drawing/2014/main" id="{68F05980-C4B1-58B6-5278-DCFDB037EE06}"/>
+                <a16:creationId xmlns:a16="http://schemas.microsoft.com/office/drawing/2014/main" id="{0914C060-3507-6072-4156-333B7B63A05D}"/>
               </a:ext>
             </a:extLst>
           </p:cNvPr>
@@ -8441,7 +8335,7 @@
           <p:cNvPr id="11" name="Título 6">
             <a:extLst>
               <a:ext uri="{FF2B5EF4-FFF2-40B4-BE49-F238E27FC236}">
-                <a16:creationId xmlns:a16="http://schemas.microsoft.com/office/drawing/2014/main" id="{280C12CD-608F-44F8-B05D-0D4DB60EE216}"/>
+                <a16:creationId xmlns:a16="http://schemas.microsoft.com/office/drawing/2014/main" id="{21966BF5-543C-D5FA-8914-5D606DC4FC9C}"/>
               </a:ext>
             </a:extLst>
           </p:cNvPr>
@@ -8502,24 +8396,25 @@
       </p:sp>
       <p:sp>
         <p:nvSpPr>
-          <p:cNvPr id="2" name="Retângulo 1">
-            <a:extLst>
-              <a:ext uri="{FF2B5EF4-FFF2-40B4-BE49-F238E27FC236}">
-                <a16:creationId xmlns:a16="http://schemas.microsoft.com/office/drawing/2014/main" id="{C1DEF1C4-2197-3B5A-B987-CCA7710573C4}"/>
-              </a:ext>
-            </a:extLst>
-          </p:cNvPr>
-          <p:cNvSpPr/>
+          <p:cNvPr id="4" name="CaixaDeTexto 3">
+            <a:extLst>
+              <a:ext uri="{FF2B5EF4-FFF2-40B4-BE49-F238E27FC236}">
+                <a16:creationId xmlns:a16="http://schemas.microsoft.com/office/drawing/2014/main" id="{BFAA7169-B1CA-7C10-1F88-F56C4CF0E6C7}"/>
+              </a:ext>
+            </a:extLst>
+          </p:cNvPr>
+          <p:cNvSpPr txBox="1"/>
           <p:nvPr/>
         </p:nvSpPr>
         <p:spPr>
           <a:xfrm>
-            <a:off x="261003" y="2294132"/>
-            <a:ext cx="11791817" cy="3890489"/>
+            <a:off x="328761" y="912588"/>
+            <a:ext cx="11328000" cy="5170646"/>
           </a:xfrm>
           <a:prstGeom prst="rect">
             <a:avLst/>
           </a:prstGeom>
+          <a:noFill/>
         </p:spPr>
         <p:txBody>
           <a:bodyPr wrap="square">
@@ -8528,130 +8423,126 @@
           <a:lstStyle/>
           <a:p>
             <a:pPr>
-              <a:lnSpc>
-                <a:spcPct val="150000"/>
-              </a:lnSpc>
+              <a:buNone/>
             </a:pPr>
             <a:r>
-              <a:rPr lang="pt-BR" sz="2800" b="1" dirty="0">
+              <a:rPr lang="pt-BR" sz="3000" b="1" dirty="0">
                 <a:latin typeface="Arial" panose="020B0604020202020204" pitchFamily="34" charset="0"/>
                 <a:cs typeface="Arial" panose="020B0604020202020204" pitchFamily="34" charset="0"/>
               </a:rPr>
-              <a:t>Aplicação de Cupom de Desconto</a:t>
+              <a:t>Validação e Documentação </a:t>
             </a:r>
           </a:p>
           <a:p>
             <a:pPr>
-              <a:lnSpc>
-                <a:spcPct val="150000"/>
-              </a:lnSpc>
+              <a:buNone/>
             </a:pPr>
             <a:r>
-              <a:rPr lang="pt-BR" sz="2800" b="1" dirty="0">
+              <a:rPr lang="pt-BR" sz="3000" b="1" dirty="0">
                 <a:latin typeface="Arial" panose="020B0604020202020204" pitchFamily="34" charset="0"/>
                 <a:cs typeface="Arial" panose="020B0604020202020204" pitchFamily="34" charset="0"/>
               </a:rPr>
-              <a:t>Entrada</a:t>
-            </a:r>
-            <a:r>
-              <a:rPr lang="pt-BR" sz="2800" dirty="0">
+              <a:t>Como Documentar os Resultados dos Testes:</a:t>
+            </a:r>
+            <a:endParaRPr lang="pt-BR" sz="3000" dirty="0">
+              <a:latin typeface="Arial" panose="020B0604020202020204" pitchFamily="34" charset="0"/>
+              <a:cs typeface="Arial" panose="020B0604020202020204" pitchFamily="34" charset="0"/>
+            </a:endParaRPr>
+          </a:p>
+          <a:p>
+            <a:pPr marL="742950" lvl="1" indent="-285750">
+              <a:buFont typeface="Arial" panose="020B0604020202020204" pitchFamily="34" charset="0"/>
+              <a:buChar char="•"/>
+            </a:pPr>
+            <a:r>
+              <a:rPr lang="pt-BR" sz="3000" dirty="0">
                 <a:latin typeface="Arial" panose="020B0604020202020204" pitchFamily="34" charset="0"/>
                 <a:cs typeface="Arial" panose="020B0604020202020204" pitchFamily="34" charset="0"/>
               </a:rPr>
-              <a:t>: Cliente insere um cupom válido.</a:t>
+              <a:t>Relatórios detalhados com evidências e métricas de sucesso.</a:t>
             </a:r>
           </a:p>
           <a:p>
             <a:pPr>
-              <a:lnSpc>
-                <a:spcPct val="150000"/>
-              </a:lnSpc>
+              <a:buFont typeface="Arial" panose="020B0604020202020204" pitchFamily="34" charset="0"/>
+              <a:buChar char="•"/>
             </a:pPr>
             <a:r>
-              <a:rPr lang="pt-BR" sz="2800" b="1" dirty="0">
+              <a:rPr lang="pt-BR" sz="3000" b="1" dirty="0">
                 <a:latin typeface="Arial" panose="020B0604020202020204" pitchFamily="34" charset="0"/>
                 <a:cs typeface="Arial" panose="020B0604020202020204" pitchFamily="34" charset="0"/>
               </a:rPr>
-              <a:t>Resultado esperado</a:t>
-            </a:r>
-            <a:r>
-              <a:rPr lang="pt-BR" sz="2800" dirty="0">
+              <a:t>Registro de Não Conformidades:</a:t>
+            </a:r>
+            <a:endParaRPr lang="pt-BR" sz="3000" dirty="0">
+              <a:latin typeface="Arial" panose="020B0604020202020204" pitchFamily="34" charset="0"/>
+              <a:cs typeface="Arial" panose="020B0604020202020204" pitchFamily="34" charset="0"/>
+            </a:endParaRPr>
+          </a:p>
+          <a:p>
+            <a:pPr marL="742950" lvl="1" indent="-285750">
+              <a:buFont typeface="Arial" panose="020B0604020202020204" pitchFamily="34" charset="0"/>
+              <a:buChar char="•"/>
+            </a:pPr>
+            <a:r>
+              <a:rPr lang="pt-BR" sz="3000" dirty="0">
                 <a:latin typeface="Arial" panose="020B0604020202020204" pitchFamily="34" charset="0"/>
                 <a:cs typeface="Arial" panose="020B0604020202020204" pitchFamily="34" charset="0"/>
               </a:rPr>
-              <a:t>: Desconto aplicado corretamente.</a:t>
-            </a:r>
-          </a:p>
-          <a:p>
-            <a:pPr>
-              <a:lnSpc>
-                <a:spcPct val="150000"/>
-              </a:lnSpc>
+              <a:t>Tipos de falhas identificadas.</a:t>
+            </a:r>
+          </a:p>
+          <a:p>
+            <a:pPr marL="742950" lvl="1" indent="-285750">
+              <a:buFont typeface="Arial" panose="020B0604020202020204" pitchFamily="34" charset="0"/>
+              <a:buChar char="•"/>
             </a:pPr>
-            <a:endParaRPr lang="pt-BR" sz="2800" b="1" dirty="0">
+            <a:r>
+              <a:rPr lang="pt-BR" sz="3000" dirty="0">
+                <a:latin typeface="Arial" panose="020B0604020202020204" pitchFamily="34" charset="0"/>
+                <a:cs typeface="Arial" panose="020B0604020202020204" pitchFamily="34" charset="0"/>
+              </a:rPr>
+              <a:t>Classificação de severidade e impacto no sistema.</a:t>
+            </a:r>
+          </a:p>
+          <a:p>
+            <a:pPr marL="742950" lvl="1" indent="-285750">
+              <a:buFont typeface="Arial" panose="020B0604020202020204" pitchFamily="34" charset="0"/>
+              <a:buChar char="•"/>
+            </a:pPr>
+            <a:endParaRPr lang="pt-BR" sz="3000" dirty="0">
               <a:latin typeface="Arial" panose="020B0604020202020204" pitchFamily="34" charset="0"/>
               <a:cs typeface="Arial" panose="020B0604020202020204" pitchFamily="34" charset="0"/>
             </a:endParaRPr>
           </a:p>
           <a:p>
             <a:pPr>
-              <a:lnSpc>
-                <a:spcPct val="150000"/>
-              </a:lnSpc>
+              <a:buFont typeface="Arial" panose="020B0604020202020204" pitchFamily="34" charset="0"/>
+              <a:buChar char="•"/>
             </a:pPr>
             <a:r>
-              <a:rPr lang="pt-BR" sz="2800" b="1" dirty="0">
+              <a:rPr lang="pt-BR" sz="3000" b="1" dirty="0">
                 <a:latin typeface="Arial" panose="020B0604020202020204" pitchFamily="34" charset="0"/>
                 <a:cs typeface="Arial" panose="020B0604020202020204" pitchFamily="34" charset="0"/>
               </a:rPr>
-              <a:t>Falha identificada: </a:t>
-            </a:r>
-            <a:r>
-              <a:rPr lang="pt-BR" sz="2800" dirty="0">
+              <a:t>Análise de Impacto de Defeitos Encontrados:</a:t>
+            </a:r>
+            <a:endParaRPr lang="pt-BR" sz="3000" dirty="0">
+              <a:latin typeface="Arial" panose="020B0604020202020204" pitchFamily="34" charset="0"/>
+              <a:cs typeface="Arial" panose="020B0604020202020204" pitchFamily="34" charset="0"/>
+            </a:endParaRPr>
+          </a:p>
+          <a:p>
+            <a:pPr marL="742950" lvl="1" indent="-285750">
+              <a:buFont typeface="Arial" panose="020B0604020202020204" pitchFamily="34" charset="0"/>
+              <a:buChar char="•"/>
+            </a:pPr>
+            <a:r>
+              <a:rPr lang="pt-BR" sz="3000" dirty="0">
                 <a:latin typeface="Arial" panose="020B0604020202020204" pitchFamily="34" charset="0"/>
                 <a:cs typeface="Arial" panose="020B0604020202020204" pitchFamily="34" charset="0"/>
               </a:rPr>
-              <a:t>O desconto é aplicado, mas o total da compra não é atualizado na tela.</a:t>
-            </a:r>
-          </a:p>
-        </p:txBody>
-      </p:sp>
-      <p:sp>
-        <p:nvSpPr>
-          <p:cNvPr id="3" name="Retângulo 2">
-            <a:extLst>
-              <a:ext uri="{FF2B5EF4-FFF2-40B4-BE49-F238E27FC236}">
-                <a16:creationId xmlns:a16="http://schemas.microsoft.com/office/drawing/2014/main" id="{7629198B-D687-42D3-BAA3-984B000E7B5E}"/>
-              </a:ext>
-            </a:extLst>
-          </p:cNvPr>
-          <p:cNvSpPr/>
-          <p:nvPr/>
-        </p:nvSpPr>
-        <p:spPr>
-          <a:xfrm>
-            <a:off x="261003" y="1045683"/>
-            <a:ext cx="7445436" cy="584775"/>
-          </a:xfrm>
-          <a:prstGeom prst="rect">
-            <a:avLst/>
-          </a:prstGeom>
-        </p:spPr>
-        <p:txBody>
-          <a:bodyPr wrap="none">
-            <a:spAutoFit/>
-          </a:bodyPr>
-          <a:lstStyle/>
-          <a:p>
-            <a:r>
-              <a:rPr lang="pt-BR" sz="3200" b="1" dirty="0">
-                <a:solidFill>
-                  <a:srgbClr val="C00000"/>
-                </a:solidFill>
-                <a:latin typeface="Arial" panose="020B0604020202020204" pitchFamily="34" charset="0"/>
-                <a:cs typeface="Arial" panose="020B0604020202020204" pitchFamily="34" charset="0"/>
-              </a:rPr>
-              <a:t>Planejamento de Testes de Aceitação</a:t>
+              <a:t>Como cada defeito afeta a usabilidade e funcionalidade do sistema.</a:t>
             </a:r>
           </a:p>
         </p:txBody>
@@ -8659,7 +8550,7 @@
     </p:spTree>
     <p:extLst>
       <p:ext uri="{BB962C8B-B14F-4D97-AF65-F5344CB8AC3E}">
-        <p14:creationId xmlns:p14="http://schemas.microsoft.com/office/powerpoint/2010/main" val="3094305136"/>
+        <p14:creationId xmlns:p14="http://schemas.microsoft.com/office/powerpoint/2010/main" val="1427608853"/>
       </p:ext>
     </p:extLst>
   </p:cSld>
@@ -8677,7 +8568,7 @@
         <p:cNvPr id="1" name="">
           <a:extLst>
             <a:ext uri="{FF2B5EF4-FFF2-40B4-BE49-F238E27FC236}">
-              <a16:creationId xmlns:a16="http://schemas.microsoft.com/office/drawing/2014/main" id="{FFCD9414-F9F8-1376-5AAD-0E307D37594E}"/>
+              <a16:creationId xmlns:a16="http://schemas.microsoft.com/office/drawing/2014/main" id="{3EF93847-52C6-839F-87F8-ED3074170819}"/>
             </a:ext>
           </a:extLst>
         </p:cNvPr>
@@ -8697,7 +8588,7 @@
           <p:cNvPr id="9" name="Picture 4" descr="Não perca: nova turma do curso de Mestre de Obras em Campinas | Sinduscon-SP">
             <a:extLst>
               <a:ext uri="{FF2B5EF4-FFF2-40B4-BE49-F238E27FC236}">
-                <a16:creationId xmlns:a16="http://schemas.microsoft.com/office/drawing/2014/main" id="{68F05980-C4B1-58B6-5278-DCFDB037EE06}"/>
+                <a16:creationId xmlns:a16="http://schemas.microsoft.com/office/drawing/2014/main" id="{8047821D-A6A2-A78D-3758-AE0D65D4B9E8}"/>
               </a:ext>
             </a:extLst>
           </p:cNvPr>
@@ -8744,7 +8635,7 @@
           <p:cNvPr id="11" name="Título 6">
             <a:extLst>
               <a:ext uri="{FF2B5EF4-FFF2-40B4-BE49-F238E27FC236}">
-                <a16:creationId xmlns:a16="http://schemas.microsoft.com/office/drawing/2014/main" id="{280C12CD-608F-44F8-B05D-0D4DB60EE216}"/>
+                <a16:creationId xmlns:a16="http://schemas.microsoft.com/office/drawing/2014/main" id="{C88572C8-1004-E9DA-8A9B-957B5C56C8DA}"/>
               </a:ext>
             </a:extLst>
           </p:cNvPr>
@@ -8805,24 +8696,25 @@
       </p:sp>
       <p:sp>
         <p:nvSpPr>
-          <p:cNvPr id="2" name="Retângulo 1">
-            <a:extLst>
-              <a:ext uri="{FF2B5EF4-FFF2-40B4-BE49-F238E27FC236}">
-                <a16:creationId xmlns:a16="http://schemas.microsoft.com/office/drawing/2014/main" id="{C1DEF1C4-2197-3B5A-B987-CCA7710573C4}"/>
-              </a:ext>
-            </a:extLst>
-          </p:cNvPr>
-          <p:cNvSpPr/>
+          <p:cNvPr id="4" name="CaixaDeTexto 3">
+            <a:extLst>
+              <a:ext uri="{FF2B5EF4-FFF2-40B4-BE49-F238E27FC236}">
+                <a16:creationId xmlns:a16="http://schemas.microsoft.com/office/drawing/2014/main" id="{9A53AA0A-BFCC-D287-452B-34165BD8C190}"/>
+              </a:ext>
+            </a:extLst>
+          </p:cNvPr>
+          <p:cNvSpPr txBox="1"/>
           <p:nvPr/>
         </p:nvSpPr>
         <p:spPr>
           <a:xfrm>
-            <a:off x="261003" y="2294132"/>
-            <a:ext cx="11791817" cy="3244158"/>
+            <a:off x="328761" y="912588"/>
+            <a:ext cx="11328000" cy="4985980"/>
           </a:xfrm>
           <a:prstGeom prst="rect">
             <a:avLst/>
           </a:prstGeom>
+          <a:noFill/>
         </p:spPr>
         <p:txBody>
           <a:bodyPr wrap="square">
@@ -8831,127 +8723,132 @@
           <a:lstStyle/>
           <a:p>
             <a:pPr>
-              <a:lnSpc>
-                <a:spcPct val="150000"/>
-              </a:lnSpc>
+              <a:buNone/>
             </a:pPr>
             <a:r>
-              <a:rPr lang="pt-BR" sz="2800" b="1" dirty="0">
+              <a:rPr lang="pt-BR" sz="3200" b="1" dirty="0">
                 <a:latin typeface="Arial" panose="020B0604020202020204" pitchFamily="34" charset="0"/>
                 <a:cs typeface="Arial" panose="020B0604020202020204" pitchFamily="34" charset="0"/>
               </a:rPr>
-              <a:t>Atualização de Endereço de Entrega</a:t>
-            </a:r>
-          </a:p>
-          <a:p>
-            <a:pPr>
-              <a:lnSpc>
-                <a:spcPct val="150000"/>
-              </a:lnSpc>
-            </a:pPr>
-            <a:r>
-              <a:rPr lang="pt-BR" sz="2800" b="1" dirty="0">
+              <a:t>Registro de Defeitos:</a:t>
+            </a:r>
+            <a:r>
+              <a:rPr lang="pt-BR" sz="3200" dirty="0">
                 <a:latin typeface="Arial" panose="020B0604020202020204" pitchFamily="34" charset="0"/>
                 <a:cs typeface="Arial" panose="020B0604020202020204" pitchFamily="34" charset="0"/>
               </a:rPr>
-              <a:t>Entrada</a:t>
-            </a:r>
-            <a:r>
-              <a:rPr lang="pt-BR" sz="2800" dirty="0">
+              <a:t> Cada falha foi registrada em um relatório </a:t>
+            </a:r>
+            <a:r>
+              <a:rPr lang="pt-BR" sz="3200">
                 <a:latin typeface="Arial" panose="020B0604020202020204" pitchFamily="34" charset="0"/>
                 <a:cs typeface="Arial" panose="020B0604020202020204" pitchFamily="34" charset="0"/>
               </a:rPr>
-              <a:t>: Cliente tenta alterar o endereço antes da finalização.</a:t>
+              <a:t>contendo:</a:t>
             </a:r>
           </a:p>
           <a:p>
             <a:pPr>
-              <a:lnSpc>
-                <a:spcPct val="150000"/>
-              </a:lnSpc>
+              <a:buNone/>
             </a:pPr>
-            <a:r>
-              <a:rPr lang="pt-BR" sz="2800" b="1" dirty="0">
+            <a:endParaRPr lang="pt-BR" sz="3200" dirty="0">
+              <a:latin typeface="Arial" panose="020B0604020202020204" pitchFamily="34" charset="0"/>
+              <a:cs typeface="Arial" panose="020B0604020202020204" pitchFamily="34" charset="0"/>
+            </a:endParaRPr>
+          </a:p>
+          <a:p>
+            <a:pPr>
+              <a:buFont typeface="Arial" panose="020B0604020202020204" pitchFamily="34" charset="0"/>
+              <a:buChar char="•"/>
+            </a:pPr>
+            <a:r>
+              <a:rPr lang="pt-BR" sz="3200" dirty="0">
                 <a:latin typeface="Arial" panose="020B0604020202020204" pitchFamily="34" charset="0"/>
                 <a:cs typeface="Arial" panose="020B0604020202020204" pitchFamily="34" charset="0"/>
               </a:rPr>
-              <a:t>Resultado esperado: </a:t>
-            </a:r>
-            <a:r>
-              <a:rPr lang="pt-BR" sz="2800" dirty="0">
+              <a:t>ID do defeito</a:t>
+            </a:r>
+          </a:p>
+          <a:p>
+            <a:pPr>
+              <a:buFont typeface="Arial" panose="020B0604020202020204" pitchFamily="34" charset="0"/>
+              <a:buChar char="•"/>
+            </a:pPr>
+            <a:r>
+              <a:rPr lang="pt-BR" sz="3200" dirty="0">
                 <a:latin typeface="Arial" panose="020B0604020202020204" pitchFamily="34" charset="0"/>
                 <a:cs typeface="Arial" panose="020B0604020202020204" pitchFamily="34" charset="0"/>
               </a:rPr>
-              <a:t>Novo endereço salvo e atualizado na tela.</a:t>
+              <a:t>Passos para reprodução</a:t>
             </a:r>
           </a:p>
           <a:p>
             <a:pPr>
-              <a:lnSpc>
-                <a:spcPct val="150000"/>
-              </a:lnSpc>
+              <a:buFont typeface="Arial" panose="020B0604020202020204" pitchFamily="34" charset="0"/>
+              <a:buChar char="•"/>
             </a:pPr>
             <a:r>
-              <a:rPr lang="pt-BR" sz="2800" b="1" dirty="0">
+              <a:rPr lang="pt-BR" sz="3200" dirty="0">
                 <a:latin typeface="Arial" panose="020B0604020202020204" pitchFamily="34" charset="0"/>
                 <a:cs typeface="Arial" panose="020B0604020202020204" pitchFamily="34" charset="0"/>
               </a:rPr>
-              <a:t>Falha identificada: </a:t>
-            </a:r>
-            <a:r>
-              <a:rPr lang="pt-BR" sz="2800" dirty="0">
+              <a:t>Ambiente de teste</a:t>
+            </a:r>
+          </a:p>
+          <a:p>
+            <a:pPr>
+              <a:buFont typeface="Arial" panose="020B0604020202020204" pitchFamily="34" charset="0"/>
+              <a:buChar char="•"/>
+            </a:pPr>
+            <a:r>
+              <a:rPr lang="pt-BR" sz="3200" dirty="0">
                 <a:latin typeface="Arial" panose="020B0604020202020204" pitchFamily="34" charset="0"/>
                 <a:cs typeface="Arial" panose="020B0604020202020204" pitchFamily="34" charset="0"/>
               </a:rPr>
-              <a:t>O sistema mantém o endereço anterior e não salva a alteração.</a:t>
-            </a:r>
-          </a:p>
-        </p:txBody>
-      </p:sp>
-      <p:sp>
-        <p:nvSpPr>
-          <p:cNvPr id="3" name="Retângulo 2">
-            <a:extLst>
-              <a:ext uri="{FF2B5EF4-FFF2-40B4-BE49-F238E27FC236}">
-                <a16:creationId xmlns:a16="http://schemas.microsoft.com/office/drawing/2014/main" id="{7629198B-D687-42D3-BAA3-984B000E7B5E}"/>
-              </a:ext>
-            </a:extLst>
-          </p:cNvPr>
-          <p:cNvSpPr/>
-          <p:nvPr/>
-        </p:nvSpPr>
-        <p:spPr>
-          <a:xfrm>
-            <a:off x="261003" y="1045683"/>
-            <a:ext cx="7445436" cy="584775"/>
-          </a:xfrm>
-          <a:prstGeom prst="rect">
-            <a:avLst/>
-          </a:prstGeom>
-        </p:spPr>
-        <p:txBody>
-          <a:bodyPr wrap="none">
-            <a:spAutoFit/>
-          </a:bodyPr>
-          <a:lstStyle/>
-          <a:p>
-            <a:r>
-              <a:rPr lang="pt-BR" sz="3200" b="1" dirty="0">
-                <a:solidFill>
-                  <a:srgbClr val="C00000"/>
-                </a:solidFill>
+              <a:t>Severidade (Crítica, Alta, Média, Baixa)</a:t>
+            </a:r>
+          </a:p>
+          <a:p>
+            <a:pPr>
+              <a:buFont typeface="Arial" panose="020B0604020202020204" pitchFamily="34" charset="0"/>
+              <a:buChar char="•"/>
+            </a:pPr>
+            <a:r>
+              <a:rPr lang="pt-BR" sz="3200" dirty="0">
                 <a:latin typeface="Arial" panose="020B0604020202020204" pitchFamily="34" charset="0"/>
                 <a:cs typeface="Arial" panose="020B0604020202020204" pitchFamily="34" charset="0"/>
               </a:rPr>
-              <a:t>Planejamento de Testes de Aceitação</a:t>
-            </a:r>
+              <a:t>Responsável pela correção</a:t>
+            </a:r>
+          </a:p>
+          <a:p>
+            <a:pPr>
+              <a:buFont typeface="Arial" panose="020B0604020202020204" pitchFamily="34" charset="0"/>
+              <a:buChar char="•"/>
+            </a:pPr>
+            <a:r>
+              <a:rPr lang="pt-BR" sz="3200" dirty="0">
+                <a:latin typeface="Arial" panose="020B0604020202020204" pitchFamily="34" charset="0"/>
+                <a:cs typeface="Arial" panose="020B0604020202020204" pitchFamily="34" charset="0"/>
+              </a:rPr>
+              <a:t>Status da correção</a:t>
+            </a:r>
+          </a:p>
+          <a:p>
+            <a:pPr>
+              <a:buNone/>
+            </a:pPr>
+            <a:endParaRPr lang="pt-BR" sz="3000" dirty="0">
+              <a:latin typeface="Arial" panose="020B0604020202020204" pitchFamily="34" charset="0"/>
+              <a:cs typeface="Arial" panose="020B0604020202020204" pitchFamily="34" charset="0"/>
+            </a:endParaRPr>
           </a:p>
         </p:txBody>
       </p:sp>
     </p:spTree>
     <p:extLst>
       <p:ext uri="{BB962C8B-B14F-4D97-AF65-F5344CB8AC3E}">
-        <p14:creationId xmlns:p14="http://schemas.microsoft.com/office/powerpoint/2010/main" val="2544316659"/>
+        <p14:creationId xmlns:p14="http://schemas.microsoft.com/office/powerpoint/2010/main" val="1260850498"/>
       </p:ext>
     </p:extLst>
   </p:cSld>
@@ -8962,616 +8859,6 @@
 </file>
 
 <file path=ppt/slides/slide14.xml><?xml version="1.0" encoding="utf-8"?>
-<p:sld xmlns:a="http://schemas.openxmlformats.org/drawingml/2006/main" xmlns:r="http://schemas.openxmlformats.org/officeDocument/2006/relationships" xmlns:p="http://schemas.openxmlformats.org/presentationml/2006/main">
-  <p:cSld>
-    <p:spTree>
-      <p:nvGrpSpPr>
-        <p:cNvPr id="1" name="">
-          <a:extLst>
-            <a:ext uri="{FF2B5EF4-FFF2-40B4-BE49-F238E27FC236}">
-              <a16:creationId xmlns:a16="http://schemas.microsoft.com/office/drawing/2014/main" id="{FFCD9414-F9F8-1376-5AAD-0E307D37594E}"/>
-            </a:ext>
-          </a:extLst>
-        </p:cNvPr>
-        <p:cNvGrpSpPr/>
-        <p:nvPr/>
-      </p:nvGrpSpPr>
-      <p:grpSpPr>
-        <a:xfrm>
-          <a:off x="0" y="0"/>
-          <a:ext cx="0" cy="0"/>
-          <a:chOff x="0" y="0"/>
-          <a:chExt cx="0" cy="0"/>
-        </a:xfrm>
-      </p:grpSpPr>
-      <p:pic>
-        <p:nvPicPr>
-          <p:cNvPr id="9" name="Picture 4" descr="Não perca: nova turma do curso de Mestre de Obras em Campinas | Sinduscon-SP">
-            <a:extLst>
-              <a:ext uri="{FF2B5EF4-FFF2-40B4-BE49-F238E27FC236}">
-                <a16:creationId xmlns:a16="http://schemas.microsoft.com/office/drawing/2014/main" id="{68F05980-C4B1-58B6-5278-DCFDB037EE06}"/>
-              </a:ext>
-            </a:extLst>
-          </p:cNvPr>
-          <p:cNvPicPr>
-            <a:picLocks noChangeAspect="1" noChangeArrowheads="1"/>
-          </p:cNvPicPr>
-          <p:nvPr/>
-        </p:nvPicPr>
-        <p:blipFill>
-          <a:blip r:embed="rId2">
-            <a:extLst>
-              <a:ext uri="{28A0092B-C50C-407E-A947-70E740481C1C}">
-                <a14:useLocalDpi xmlns:a14="http://schemas.microsoft.com/office/drawing/2010/main" val="0"/>
-              </a:ext>
-            </a:extLst>
-          </a:blip>
-          <a:srcRect/>
-          <a:stretch>
-            <a:fillRect/>
-          </a:stretch>
-        </p:blipFill>
-        <p:spPr bwMode="auto">
-          <a:xfrm>
-            <a:off x="9731829" y="6232541"/>
-            <a:ext cx="2460171" cy="624717"/>
-          </a:xfrm>
-          <a:prstGeom prst="rect">
-            <a:avLst/>
-          </a:prstGeom>
-          <a:noFill/>
-          <a:extLst>
-            <a:ext uri="{909E8E84-426E-40DD-AFC4-6F175D3DCCD1}">
-              <a14:hiddenFill xmlns:a14="http://schemas.microsoft.com/office/drawing/2010/main">
-                <a:solidFill>
-                  <a:srgbClr val="FFFFFF"/>
-                </a:solidFill>
-              </a14:hiddenFill>
-            </a:ext>
-          </a:extLst>
-        </p:spPr>
-      </p:pic>
-      <p:sp>
-        <p:nvSpPr>
-          <p:cNvPr id="11" name="Título 6">
-            <a:extLst>
-              <a:ext uri="{FF2B5EF4-FFF2-40B4-BE49-F238E27FC236}">
-                <a16:creationId xmlns:a16="http://schemas.microsoft.com/office/drawing/2014/main" id="{280C12CD-608F-44F8-B05D-0D4DB60EE216}"/>
-              </a:ext>
-            </a:extLst>
-          </p:cNvPr>
-          <p:cNvSpPr txBox="1">
-            <a:spLocks/>
-          </p:cNvSpPr>
-          <p:nvPr/>
-        </p:nvSpPr>
-        <p:spPr>
-          <a:xfrm>
-            <a:off x="432000" y="254807"/>
-            <a:ext cx="11328000" cy="432000"/>
-          </a:xfrm>
-          <a:prstGeom prst="rect">
-            <a:avLst/>
-          </a:prstGeom>
-        </p:spPr>
-        <p:txBody>
-          <a:bodyPr vert="horz" lIns="0" tIns="0" rIns="0" bIns="0" rtlCol="0" anchor="ctr">
-            <a:noAutofit/>
-          </a:bodyPr>
-          <a:lstStyle>
-            <a:lvl1pPr algn="l" defTabSz="914400" rtl="0" eaLnBrk="1" latinLnBrk="0" hangingPunct="1">
-              <a:lnSpc>
-                <a:spcPct val="90000"/>
-              </a:lnSpc>
-              <a:spcBef>
-                <a:spcPct val="0"/>
-              </a:spcBef>
-              <a:buNone/>
-              <a:defRPr sz="3200" b="1" kern="1200" spc="-150">
-                <a:solidFill>
-                  <a:schemeClr val="tx1">
-                    <a:lumMod val="75000"/>
-                    <a:lumOff val="25000"/>
-                  </a:schemeClr>
-                </a:solidFill>
-                <a:latin typeface="+mj-lt"/>
-                <a:ea typeface="+mj-ea"/>
-                <a:cs typeface="+mj-cs"/>
-              </a:defRPr>
-            </a:lvl1pPr>
-          </a:lstStyle>
-          <a:p>
-            <a:r>
-              <a:rPr lang="pt-BR" dirty="0">
-                <a:solidFill>
-                  <a:srgbClr val="C00000"/>
-                </a:solidFill>
-                <a:latin typeface="Arial" panose="020B0604020202020204" pitchFamily="34" charset="0"/>
-                <a:ea typeface="Cambria" panose="02040503050406030204" pitchFamily="18" charset="0"/>
-                <a:cs typeface="Arial" panose="020B0604020202020204" pitchFamily="34" charset="0"/>
-              </a:rPr>
-              <a:t>Teste de Aceite</a:t>
-            </a:r>
-          </a:p>
-        </p:txBody>
-      </p:sp>
-      <p:sp>
-        <p:nvSpPr>
-          <p:cNvPr id="2" name="Retângulo 1">
-            <a:extLst>
-              <a:ext uri="{FF2B5EF4-FFF2-40B4-BE49-F238E27FC236}">
-                <a16:creationId xmlns:a16="http://schemas.microsoft.com/office/drawing/2014/main" id="{C1DEF1C4-2197-3B5A-B987-CCA7710573C4}"/>
-              </a:ext>
-            </a:extLst>
-          </p:cNvPr>
-          <p:cNvSpPr/>
-          <p:nvPr/>
-        </p:nvSpPr>
-        <p:spPr>
-          <a:xfrm>
-            <a:off x="261003" y="2294132"/>
-            <a:ext cx="11791817" cy="3244158"/>
-          </a:xfrm>
-          <a:prstGeom prst="rect">
-            <a:avLst/>
-          </a:prstGeom>
-        </p:spPr>
-        <p:txBody>
-          <a:bodyPr wrap="square">
-            <a:spAutoFit/>
-          </a:bodyPr>
-          <a:lstStyle/>
-          <a:p>
-            <a:pPr>
-              <a:lnSpc>
-                <a:spcPct val="150000"/>
-              </a:lnSpc>
-            </a:pPr>
-            <a:r>
-              <a:rPr lang="pt-BR" sz="2800" b="1" dirty="0">
-                <a:latin typeface="Arial" panose="020B0604020202020204" pitchFamily="34" charset="0"/>
-                <a:cs typeface="Arial" panose="020B0604020202020204" pitchFamily="34" charset="0"/>
-              </a:rPr>
-              <a:t>Atualização de Endereço de Entrega</a:t>
-            </a:r>
-          </a:p>
-          <a:p>
-            <a:pPr>
-              <a:lnSpc>
-                <a:spcPct val="150000"/>
-              </a:lnSpc>
-            </a:pPr>
-            <a:r>
-              <a:rPr lang="pt-BR" sz="2800" b="1" dirty="0">
-                <a:latin typeface="Arial" panose="020B0604020202020204" pitchFamily="34" charset="0"/>
-                <a:cs typeface="Arial" panose="020B0604020202020204" pitchFamily="34" charset="0"/>
-              </a:rPr>
-              <a:t>Entrada</a:t>
-            </a:r>
-            <a:r>
-              <a:rPr lang="pt-BR" sz="2800" dirty="0">
-                <a:latin typeface="Arial" panose="020B0604020202020204" pitchFamily="34" charset="0"/>
-                <a:cs typeface="Arial" panose="020B0604020202020204" pitchFamily="34" charset="0"/>
-              </a:rPr>
-              <a:t>: Cliente tenta alterar o endereço antes da finalização.</a:t>
-            </a:r>
-          </a:p>
-          <a:p>
-            <a:pPr>
-              <a:lnSpc>
-                <a:spcPct val="150000"/>
-              </a:lnSpc>
-            </a:pPr>
-            <a:r>
-              <a:rPr lang="pt-BR" sz="2800" b="1" dirty="0">
-                <a:latin typeface="Arial" panose="020B0604020202020204" pitchFamily="34" charset="0"/>
-                <a:cs typeface="Arial" panose="020B0604020202020204" pitchFamily="34" charset="0"/>
-              </a:rPr>
-              <a:t>Resultado esperado: </a:t>
-            </a:r>
-            <a:r>
-              <a:rPr lang="pt-BR" sz="2800" dirty="0">
-                <a:latin typeface="Arial" panose="020B0604020202020204" pitchFamily="34" charset="0"/>
-                <a:cs typeface="Arial" panose="020B0604020202020204" pitchFamily="34" charset="0"/>
-              </a:rPr>
-              <a:t>Novo endereço salvo e atualizado na tela.</a:t>
-            </a:r>
-          </a:p>
-          <a:p>
-            <a:pPr>
-              <a:lnSpc>
-                <a:spcPct val="150000"/>
-              </a:lnSpc>
-            </a:pPr>
-            <a:r>
-              <a:rPr lang="pt-BR" sz="2800" b="1" dirty="0">
-                <a:latin typeface="Arial" panose="020B0604020202020204" pitchFamily="34" charset="0"/>
-                <a:cs typeface="Arial" panose="020B0604020202020204" pitchFamily="34" charset="0"/>
-              </a:rPr>
-              <a:t>Falha identificada: </a:t>
-            </a:r>
-            <a:r>
-              <a:rPr lang="pt-BR" sz="2800" dirty="0">
-                <a:latin typeface="Arial" panose="020B0604020202020204" pitchFamily="34" charset="0"/>
-                <a:cs typeface="Arial" panose="020B0604020202020204" pitchFamily="34" charset="0"/>
-              </a:rPr>
-              <a:t>O sistema mantém o endereço anterior e não salva a alteração.</a:t>
-            </a:r>
-          </a:p>
-        </p:txBody>
-      </p:sp>
-      <p:sp>
-        <p:nvSpPr>
-          <p:cNvPr id="3" name="Retângulo 2">
-            <a:extLst>
-              <a:ext uri="{FF2B5EF4-FFF2-40B4-BE49-F238E27FC236}">
-                <a16:creationId xmlns:a16="http://schemas.microsoft.com/office/drawing/2014/main" id="{7629198B-D687-42D3-BAA3-984B000E7B5E}"/>
-              </a:ext>
-            </a:extLst>
-          </p:cNvPr>
-          <p:cNvSpPr/>
-          <p:nvPr/>
-        </p:nvSpPr>
-        <p:spPr>
-          <a:xfrm>
-            <a:off x="261003" y="1045683"/>
-            <a:ext cx="7445436" cy="584775"/>
-          </a:xfrm>
-          <a:prstGeom prst="rect">
-            <a:avLst/>
-          </a:prstGeom>
-        </p:spPr>
-        <p:txBody>
-          <a:bodyPr wrap="none">
-            <a:spAutoFit/>
-          </a:bodyPr>
-          <a:lstStyle/>
-          <a:p>
-            <a:r>
-              <a:rPr lang="pt-BR" sz="3200" b="1" dirty="0">
-                <a:solidFill>
-                  <a:srgbClr val="C00000"/>
-                </a:solidFill>
-                <a:latin typeface="Arial" panose="020B0604020202020204" pitchFamily="34" charset="0"/>
-                <a:cs typeface="Arial" panose="020B0604020202020204" pitchFamily="34" charset="0"/>
-              </a:rPr>
-              <a:t>Planejamento de Testes de Aceitação</a:t>
-            </a:r>
-          </a:p>
-        </p:txBody>
-      </p:sp>
-    </p:spTree>
-    <p:extLst>
-      <p:ext uri="{BB962C8B-B14F-4D97-AF65-F5344CB8AC3E}">
-        <p14:creationId xmlns:p14="http://schemas.microsoft.com/office/powerpoint/2010/main" val="1667332484"/>
-      </p:ext>
-    </p:extLst>
-  </p:cSld>
-  <p:clrMapOvr>
-    <a:masterClrMapping/>
-  </p:clrMapOvr>
-</p:sld>
-</file>
-
-<file path=ppt/slides/slide15.xml><?xml version="1.0" encoding="utf-8"?>
-<p:sld xmlns:a="http://schemas.openxmlformats.org/drawingml/2006/main" xmlns:r="http://schemas.openxmlformats.org/officeDocument/2006/relationships" xmlns:p="http://schemas.openxmlformats.org/presentationml/2006/main">
-  <p:cSld>
-    <p:spTree>
-      <p:nvGrpSpPr>
-        <p:cNvPr id="1" name="">
-          <a:extLst>
-            <a:ext uri="{FF2B5EF4-FFF2-40B4-BE49-F238E27FC236}">
-              <a16:creationId xmlns:a16="http://schemas.microsoft.com/office/drawing/2014/main" id="{FFCD9414-F9F8-1376-5AAD-0E307D37594E}"/>
-            </a:ext>
-          </a:extLst>
-        </p:cNvPr>
-        <p:cNvGrpSpPr/>
-        <p:nvPr/>
-      </p:nvGrpSpPr>
-      <p:grpSpPr>
-        <a:xfrm>
-          <a:off x="0" y="0"/>
-          <a:ext cx="0" cy="0"/>
-          <a:chOff x="0" y="0"/>
-          <a:chExt cx="0" cy="0"/>
-        </a:xfrm>
-      </p:grpSpPr>
-      <p:pic>
-        <p:nvPicPr>
-          <p:cNvPr id="9" name="Picture 4" descr="Não perca: nova turma do curso de Mestre de Obras em Campinas | Sinduscon-SP">
-            <a:extLst>
-              <a:ext uri="{FF2B5EF4-FFF2-40B4-BE49-F238E27FC236}">
-                <a16:creationId xmlns:a16="http://schemas.microsoft.com/office/drawing/2014/main" id="{68F05980-C4B1-58B6-5278-DCFDB037EE06}"/>
-              </a:ext>
-            </a:extLst>
-          </p:cNvPr>
-          <p:cNvPicPr>
-            <a:picLocks noChangeAspect="1" noChangeArrowheads="1"/>
-          </p:cNvPicPr>
-          <p:nvPr/>
-        </p:nvPicPr>
-        <p:blipFill>
-          <a:blip r:embed="rId2">
-            <a:extLst>
-              <a:ext uri="{28A0092B-C50C-407E-A947-70E740481C1C}">
-                <a14:useLocalDpi xmlns:a14="http://schemas.microsoft.com/office/drawing/2010/main" val="0"/>
-              </a:ext>
-            </a:extLst>
-          </a:blip>
-          <a:srcRect/>
-          <a:stretch>
-            <a:fillRect/>
-          </a:stretch>
-        </p:blipFill>
-        <p:spPr bwMode="auto">
-          <a:xfrm>
-            <a:off x="9731829" y="6232541"/>
-            <a:ext cx="2460171" cy="624717"/>
-          </a:xfrm>
-          <a:prstGeom prst="rect">
-            <a:avLst/>
-          </a:prstGeom>
-          <a:noFill/>
-          <a:extLst>
-            <a:ext uri="{909E8E84-426E-40DD-AFC4-6F175D3DCCD1}">
-              <a14:hiddenFill xmlns:a14="http://schemas.microsoft.com/office/drawing/2010/main">
-                <a:solidFill>
-                  <a:srgbClr val="FFFFFF"/>
-                </a:solidFill>
-              </a14:hiddenFill>
-            </a:ext>
-          </a:extLst>
-        </p:spPr>
-      </p:pic>
-      <p:sp>
-        <p:nvSpPr>
-          <p:cNvPr id="11" name="Título 6">
-            <a:extLst>
-              <a:ext uri="{FF2B5EF4-FFF2-40B4-BE49-F238E27FC236}">
-                <a16:creationId xmlns:a16="http://schemas.microsoft.com/office/drawing/2014/main" id="{280C12CD-608F-44F8-B05D-0D4DB60EE216}"/>
-              </a:ext>
-            </a:extLst>
-          </p:cNvPr>
-          <p:cNvSpPr txBox="1">
-            <a:spLocks/>
-          </p:cNvSpPr>
-          <p:nvPr/>
-        </p:nvSpPr>
-        <p:spPr>
-          <a:xfrm>
-            <a:off x="432000" y="254807"/>
-            <a:ext cx="11328000" cy="432000"/>
-          </a:xfrm>
-          <a:prstGeom prst="rect">
-            <a:avLst/>
-          </a:prstGeom>
-        </p:spPr>
-        <p:txBody>
-          <a:bodyPr vert="horz" lIns="0" tIns="0" rIns="0" bIns="0" rtlCol="0" anchor="ctr">
-            <a:noAutofit/>
-          </a:bodyPr>
-          <a:lstStyle>
-            <a:lvl1pPr algn="l" defTabSz="914400" rtl="0" eaLnBrk="1" latinLnBrk="0" hangingPunct="1">
-              <a:lnSpc>
-                <a:spcPct val="90000"/>
-              </a:lnSpc>
-              <a:spcBef>
-                <a:spcPct val="0"/>
-              </a:spcBef>
-              <a:buNone/>
-              <a:defRPr sz="3200" b="1" kern="1200" spc="-150">
-                <a:solidFill>
-                  <a:schemeClr val="tx1">
-                    <a:lumMod val="75000"/>
-                    <a:lumOff val="25000"/>
-                  </a:schemeClr>
-                </a:solidFill>
-                <a:latin typeface="+mj-lt"/>
-                <a:ea typeface="+mj-ea"/>
-                <a:cs typeface="+mj-cs"/>
-              </a:defRPr>
-            </a:lvl1pPr>
-          </a:lstStyle>
-          <a:p>
-            <a:r>
-              <a:rPr lang="pt-BR" dirty="0">
-                <a:solidFill>
-                  <a:srgbClr val="C00000"/>
-                </a:solidFill>
-                <a:latin typeface="Arial" panose="020B0604020202020204" pitchFamily="34" charset="0"/>
-                <a:ea typeface="Cambria" panose="02040503050406030204" pitchFamily="18" charset="0"/>
-                <a:cs typeface="Arial" panose="020B0604020202020204" pitchFamily="34" charset="0"/>
-              </a:rPr>
-              <a:t>Teste de Aceite</a:t>
-            </a:r>
-          </a:p>
-        </p:txBody>
-      </p:sp>
-      <p:sp>
-        <p:nvSpPr>
-          <p:cNvPr id="2" name="Retângulo 1">
-            <a:extLst>
-              <a:ext uri="{FF2B5EF4-FFF2-40B4-BE49-F238E27FC236}">
-                <a16:creationId xmlns:a16="http://schemas.microsoft.com/office/drawing/2014/main" id="{C1DEF1C4-2197-3B5A-B987-CCA7710573C4}"/>
-              </a:ext>
-            </a:extLst>
-          </p:cNvPr>
-          <p:cNvSpPr/>
-          <p:nvPr/>
-        </p:nvSpPr>
-        <p:spPr>
-          <a:xfrm>
-            <a:off x="200091" y="1891412"/>
-            <a:ext cx="11791817" cy="4536819"/>
-          </a:xfrm>
-          <a:prstGeom prst="rect">
-            <a:avLst/>
-          </a:prstGeom>
-        </p:spPr>
-        <p:txBody>
-          <a:bodyPr wrap="square">
-            <a:spAutoFit/>
-          </a:bodyPr>
-          <a:lstStyle/>
-          <a:p>
-            <a:pPr>
-              <a:lnSpc>
-                <a:spcPct val="150000"/>
-              </a:lnSpc>
-            </a:pPr>
-            <a:r>
-              <a:rPr lang="pt-BR" sz="2800" dirty="0">
-                <a:latin typeface="Arial" panose="020B0604020202020204" pitchFamily="34" charset="0"/>
-                <a:cs typeface="Arial" panose="020B0604020202020204" pitchFamily="34" charset="0"/>
-              </a:rPr>
-              <a:t>Cada falha foi registrada em um relatório contendo:</a:t>
-            </a:r>
-          </a:p>
-          <a:p>
-            <a:pPr>
-              <a:lnSpc>
-                <a:spcPct val="150000"/>
-              </a:lnSpc>
-            </a:pPr>
-            <a:r>
-              <a:rPr lang="pt-BR" sz="2800" dirty="0">
-                <a:latin typeface="Arial" panose="020B0604020202020204" pitchFamily="34" charset="0"/>
-                <a:cs typeface="Arial" panose="020B0604020202020204" pitchFamily="34" charset="0"/>
-              </a:rPr>
-              <a:t>ID do defeito</a:t>
-            </a:r>
-          </a:p>
-          <a:p>
-            <a:pPr>
-              <a:lnSpc>
-                <a:spcPct val="150000"/>
-              </a:lnSpc>
-            </a:pPr>
-            <a:r>
-              <a:rPr lang="pt-BR" sz="2800" dirty="0">
-                <a:latin typeface="Arial" panose="020B0604020202020204" pitchFamily="34" charset="0"/>
-                <a:cs typeface="Arial" panose="020B0604020202020204" pitchFamily="34" charset="0"/>
-              </a:rPr>
-              <a:t>Passos para reprodução</a:t>
-            </a:r>
-          </a:p>
-          <a:p>
-            <a:pPr>
-              <a:lnSpc>
-                <a:spcPct val="150000"/>
-              </a:lnSpc>
-            </a:pPr>
-            <a:r>
-              <a:rPr lang="pt-BR" sz="2800" dirty="0">
-                <a:latin typeface="Arial" panose="020B0604020202020204" pitchFamily="34" charset="0"/>
-                <a:cs typeface="Arial" panose="020B0604020202020204" pitchFamily="34" charset="0"/>
-              </a:rPr>
-              <a:t>Ambiente de teste</a:t>
-            </a:r>
-          </a:p>
-          <a:p>
-            <a:pPr>
-              <a:lnSpc>
-                <a:spcPct val="150000"/>
-              </a:lnSpc>
-            </a:pPr>
-            <a:r>
-              <a:rPr lang="pt-BR" sz="2800" dirty="0">
-                <a:latin typeface="Arial" panose="020B0604020202020204" pitchFamily="34" charset="0"/>
-                <a:cs typeface="Arial" panose="020B0604020202020204" pitchFamily="34" charset="0"/>
-              </a:rPr>
-              <a:t>Severidade (Crítica, Alta, Média, Baixa)</a:t>
-            </a:r>
-          </a:p>
-          <a:p>
-            <a:pPr>
-              <a:lnSpc>
-                <a:spcPct val="150000"/>
-              </a:lnSpc>
-            </a:pPr>
-            <a:r>
-              <a:rPr lang="pt-BR" sz="2800" dirty="0">
-                <a:latin typeface="Arial" panose="020B0604020202020204" pitchFamily="34" charset="0"/>
-                <a:cs typeface="Arial" panose="020B0604020202020204" pitchFamily="34" charset="0"/>
-              </a:rPr>
-              <a:t>Responsável pela correção</a:t>
-            </a:r>
-          </a:p>
-          <a:p>
-            <a:pPr>
-              <a:lnSpc>
-                <a:spcPct val="150000"/>
-              </a:lnSpc>
-            </a:pPr>
-            <a:r>
-              <a:rPr lang="pt-BR" sz="2800" dirty="0">
-                <a:latin typeface="Arial" panose="020B0604020202020204" pitchFamily="34" charset="0"/>
-                <a:cs typeface="Arial" panose="020B0604020202020204" pitchFamily="34" charset="0"/>
-              </a:rPr>
-              <a:t>Status da Resolução</a:t>
-            </a:r>
-          </a:p>
-        </p:txBody>
-      </p:sp>
-      <p:sp>
-        <p:nvSpPr>
-          <p:cNvPr id="3" name="Retângulo 2">
-            <a:extLst>
-              <a:ext uri="{FF2B5EF4-FFF2-40B4-BE49-F238E27FC236}">
-                <a16:creationId xmlns:a16="http://schemas.microsoft.com/office/drawing/2014/main" id="{7629198B-D687-42D3-BAA3-984B000E7B5E}"/>
-              </a:ext>
-            </a:extLst>
-          </p:cNvPr>
-          <p:cNvSpPr/>
-          <p:nvPr/>
-        </p:nvSpPr>
-        <p:spPr>
-          <a:xfrm>
-            <a:off x="200091" y="955967"/>
-            <a:ext cx="4011034" cy="739754"/>
-          </a:xfrm>
-          <a:prstGeom prst="rect">
-            <a:avLst/>
-          </a:prstGeom>
-        </p:spPr>
-        <p:txBody>
-          <a:bodyPr wrap="none">
-            <a:spAutoFit/>
-          </a:bodyPr>
-          <a:lstStyle/>
-          <a:p>
-            <a:pPr>
-              <a:lnSpc>
-                <a:spcPct val="150000"/>
-              </a:lnSpc>
-            </a:pPr>
-            <a:r>
-              <a:rPr lang="pt-BR" sz="3200" dirty="0">
-                <a:solidFill>
-                  <a:srgbClr val="C00000"/>
-                </a:solidFill>
-                <a:latin typeface="Arial" panose="020B0604020202020204" pitchFamily="34" charset="0"/>
-                <a:cs typeface="Arial" panose="020B0604020202020204" pitchFamily="34" charset="0"/>
-              </a:rPr>
-              <a:t>Registro de Defeitos:</a:t>
-            </a:r>
-          </a:p>
-        </p:txBody>
-      </p:sp>
-    </p:spTree>
-    <p:extLst>
-      <p:ext uri="{BB962C8B-B14F-4D97-AF65-F5344CB8AC3E}">
-        <p14:creationId xmlns:p14="http://schemas.microsoft.com/office/powerpoint/2010/main" val="3564057154"/>
-      </p:ext>
-    </p:extLst>
-  </p:cSld>
-  <p:clrMapOvr>
-    <a:masterClrMapping/>
-  </p:clrMapOvr>
-</p:sld>
-</file>
-
-<file path=ppt/slides/slide16.xml><?xml version="1.0" encoding="utf-8"?>
 <p:sld xmlns:a="http://schemas.openxmlformats.org/drawingml/2006/main" xmlns:r="http://schemas.openxmlformats.org/officeDocument/2006/relationships" xmlns:p="http://schemas.openxmlformats.org/presentationml/2006/main">
   <p:cSld>
     <p:spTree>
@@ -11221,7 +10508,10 @@
           <a:lstStyle/>
           <a:p>
             <a:r>
-              <a:rPr lang="pt-BR" sz="3000" dirty="0"/>
+              <a:rPr lang="pt-BR" sz="3000" dirty="0">
+                <a:latin typeface="Arial" panose="020B0604020202020204" pitchFamily="34" charset="0"/>
+                <a:cs typeface="Arial" panose="020B0604020202020204" pitchFamily="34" charset="0"/>
+              </a:rPr>
               <a:t>Processo de validação para verificar se o sistema atende aos requisitos do cliente.</a:t>
             </a:r>
           </a:p>
@@ -11248,7 +10538,7 @@
         <p:cNvPr id="1" name="">
           <a:extLst>
             <a:ext uri="{FF2B5EF4-FFF2-40B4-BE49-F238E27FC236}">
-              <a16:creationId xmlns:a16="http://schemas.microsoft.com/office/drawing/2014/main" id="{FFCD9414-F9F8-1376-5AAD-0E307D37594E}"/>
+              <a16:creationId xmlns:a16="http://schemas.microsoft.com/office/drawing/2014/main" id="{F16B3922-35AF-E5DE-6946-91DE1F40F9B5}"/>
             </a:ext>
           </a:extLst>
         </p:cNvPr>
@@ -11268,7 +10558,7 @@
           <p:cNvPr id="9" name="Picture 4" descr="Não perca: nova turma do curso de Mestre de Obras em Campinas | Sinduscon-SP">
             <a:extLst>
               <a:ext uri="{FF2B5EF4-FFF2-40B4-BE49-F238E27FC236}">
-                <a16:creationId xmlns:a16="http://schemas.microsoft.com/office/drawing/2014/main" id="{68F05980-C4B1-58B6-5278-DCFDB037EE06}"/>
+                <a16:creationId xmlns:a16="http://schemas.microsoft.com/office/drawing/2014/main" id="{197160B8-F7AB-624A-9B5F-6B8140103A9B}"/>
               </a:ext>
             </a:extLst>
           </p:cNvPr>
@@ -11315,7 +10605,7 @@
           <p:cNvPr id="11" name="Título 6">
             <a:extLst>
               <a:ext uri="{FF2B5EF4-FFF2-40B4-BE49-F238E27FC236}">
-                <a16:creationId xmlns:a16="http://schemas.microsoft.com/office/drawing/2014/main" id="{280C12CD-608F-44F8-B05D-0D4DB60EE216}"/>
+                <a16:creationId xmlns:a16="http://schemas.microsoft.com/office/drawing/2014/main" id="{43134619-9D18-B375-99F6-3DE3FE71C372}"/>
               </a:ext>
             </a:extLst>
           </p:cNvPr>
@@ -11369,7 +10659,7 @@
                 <a:ea typeface="Cambria" panose="02040503050406030204" pitchFamily="18" charset="0"/>
                 <a:cs typeface="Arial" panose="020B0604020202020204" pitchFamily="34" charset="0"/>
               </a:rPr>
-              <a:t>Teste de Aceite - Objetivo</a:t>
+              <a:t>Teste de Aceite</a:t>
             </a:r>
           </a:p>
         </p:txBody>
@@ -11379,7 +10669,7 @@
           <p:cNvPr id="2" name="Retângulo 1">
             <a:extLst>
               <a:ext uri="{FF2B5EF4-FFF2-40B4-BE49-F238E27FC236}">
-                <a16:creationId xmlns:a16="http://schemas.microsoft.com/office/drawing/2014/main" id="{C1DEF1C4-2197-3B5A-B987-CCA7710573C4}"/>
+                <a16:creationId xmlns:a16="http://schemas.microsoft.com/office/drawing/2014/main" id="{CE4CBF12-7888-8CE2-2ED3-621BCBC081DC}"/>
               </a:ext>
             </a:extLst>
           </p:cNvPr>
@@ -11389,7 +10679,7 @@
         <p:spPr>
           <a:xfrm>
             <a:off x="338532" y="2097769"/>
-            <a:ext cx="11104228" cy="2719014"/>
+            <a:ext cx="11104228" cy="2400657"/>
           </a:xfrm>
           <a:prstGeom prst="rect">
             <a:avLst/>
@@ -11401,51 +10691,27 @@
           </a:bodyPr>
           <a:lstStyle/>
           <a:p>
-            <a:pPr marL="914400" lvl="1" indent="-457200">
-              <a:lnSpc>
-                <a:spcPct val="200000"/>
-              </a:lnSpc>
-              <a:buFont typeface="Arial" panose="020B0604020202020204" pitchFamily="34" charset="0"/>
-              <a:buChar char="•"/>
-            </a:pPr>
+            <a:r>
+              <a:rPr lang="pt-BR" sz="3000" b="1" dirty="0">
+                <a:latin typeface="Arial" panose="020B0604020202020204" pitchFamily="34" charset="0"/>
+                <a:cs typeface="Arial" panose="020B0604020202020204" pitchFamily="34" charset="0"/>
+              </a:rPr>
+              <a:t>Diferença entre Testes Funcionais e Testes de Aceitação:</a:t>
+            </a:r>
+          </a:p>
+          <a:p>
+            <a:endParaRPr lang="pt-BR" sz="3000" dirty="0">
+              <a:latin typeface="Arial" panose="020B0604020202020204" pitchFamily="34" charset="0"/>
+              <a:cs typeface="Arial" panose="020B0604020202020204" pitchFamily="34" charset="0"/>
+            </a:endParaRPr>
+          </a:p>
+          <a:p>
             <a:r>
               <a:rPr lang="pt-BR" sz="3000" dirty="0">
                 <a:latin typeface="Arial" panose="020B0604020202020204" pitchFamily="34" charset="0"/>
                 <a:cs typeface="Arial" panose="020B0604020202020204" pitchFamily="34" charset="0"/>
               </a:rPr>
-              <a:t>Garantir a satisfação do cliente.</a:t>
-            </a:r>
-          </a:p>
-          <a:p>
-            <a:pPr marL="914400" lvl="1" indent="-457200">
-              <a:lnSpc>
-                <a:spcPct val="200000"/>
-              </a:lnSpc>
-              <a:buFont typeface="Arial" panose="020B0604020202020204" pitchFamily="34" charset="0"/>
-              <a:buChar char="•"/>
-            </a:pPr>
-            <a:r>
-              <a:rPr lang="pt-BR" sz="3000" dirty="0">
-                <a:latin typeface="Arial" panose="020B0604020202020204" pitchFamily="34" charset="0"/>
-                <a:cs typeface="Arial" panose="020B0604020202020204" pitchFamily="34" charset="0"/>
-              </a:rPr>
-              <a:t>Validar requisitos funcionais e não funcionais.</a:t>
-            </a:r>
-          </a:p>
-          <a:p>
-            <a:pPr marL="914400" lvl="1" indent="-457200">
-              <a:lnSpc>
-                <a:spcPct val="200000"/>
-              </a:lnSpc>
-              <a:buFont typeface="Arial" panose="020B0604020202020204" pitchFamily="34" charset="0"/>
-              <a:buChar char="•"/>
-            </a:pPr>
-            <a:r>
-              <a:rPr lang="pt-BR" sz="3000" dirty="0">
-                <a:latin typeface="Arial" panose="020B0604020202020204" pitchFamily="34" charset="0"/>
-                <a:cs typeface="Arial" panose="020B0604020202020204" pitchFamily="34" charset="0"/>
-              </a:rPr>
-              <a:t>Reduzir riscos de falhas após a entrega.</a:t>
+              <a:t>Testes funcionais avaliam funcionalidades específicas. Testes de aceitação validam o sistema como um todo segundo critérios do cliente.</a:t>
             </a:r>
           </a:p>
         </p:txBody>
@@ -11453,7 +10719,7 @@
     </p:spTree>
     <p:extLst>
       <p:ext uri="{BB962C8B-B14F-4D97-AF65-F5344CB8AC3E}">
-        <p14:creationId xmlns:p14="http://schemas.microsoft.com/office/powerpoint/2010/main" val="3538959694"/>
+        <p14:creationId xmlns:p14="http://schemas.microsoft.com/office/powerpoint/2010/main" val="1950012808"/>
       </p:ext>
     </p:extLst>
   </p:cSld>
@@ -11471,7 +10737,7 @@
         <p:cNvPr id="1" name="">
           <a:extLst>
             <a:ext uri="{FF2B5EF4-FFF2-40B4-BE49-F238E27FC236}">
-              <a16:creationId xmlns:a16="http://schemas.microsoft.com/office/drawing/2014/main" id="{FFCD9414-F9F8-1376-5AAD-0E307D37594E}"/>
+              <a16:creationId xmlns:a16="http://schemas.microsoft.com/office/drawing/2014/main" id="{64F0BB9D-133D-0525-9058-6CDC25F2D735}"/>
             </a:ext>
           </a:extLst>
         </p:cNvPr>
@@ -11491,7 +10757,7 @@
           <p:cNvPr id="9" name="Picture 4" descr="Não perca: nova turma do curso de Mestre de Obras em Campinas | Sinduscon-SP">
             <a:extLst>
               <a:ext uri="{FF2B5EF4-FFF2-40B4-BE49-F238E27FC236}">
-                <a16:creationId xmlns:a16="http://schemas.microsoft.com/office/drawing/2014/main" id="{68F05980-C4B1-58B6-5278-DCFDB037EE06}"/>
+                <a16:creationId xmlns:a16="http://schemas.microsoft.com/office/drawing/2014/main" id="{380D2E30-5159-E1B5-BC61-C9538E033506}"/>
               </a:ext>
             </a:extLst>
           </p:cNvPr>
@@ -11538,7 +10804,7 @@
           <p:cNvPr id="11" name="Título 6">
             <a:extLst>
               <a:ext uri="{FF2B5EF4-FFF2-40B4-BE49-F238E27FC236}">
-                <a16:creationId xmlns:a16="http://schemas.microsoft.com/office/drawing/2014/main" id="{280C12CD-608F-44F8-B05D-0D4DB60EE216}"/>
+                <a16:creationId xmlns:a16="http://schemas.microsoft.com/office/drawing/2014/main" id="{595062E1-59EB-E358-BD84-6D4184555782}"/>
               </a:ext>
             </a:extLst>
           </p:cNvPr>
@@ -11592,7 +10858,7 @@
                 <a:ea typeface="Cambria" panose="02040503050406030204" pitchFamily="18" charset="0"/>
                 <a:cs typeface="Arial" panose="020B0604020202020204" pitchFamily="34" charset="0"/>
               </a:rPr>
-              <a:t>Teste de Aceite - Objetivo</a:t>
+              <a:t>Teste de Aceite</a:t>
             </a:r>
           </a:p>
         </p:txBody>
@@ -11602,7 +10868,7 @@
           <p:cNvPr id="2" name="Retângulo 1">
             <a:extLst>
               <a:ext uri="{FF2B5EF4-FFF2-40B4-BE49-F238E27FC236}">
-                <a16:creationId xmlns:a16="http://schemas.microsoft.com/office/drawing/2014/main" id="{C1DEF1C4-2197-3B5A-B987-CCA7710573C4}"/>
+                <a16:creationId xmlns:a16="http://schemas.microsoft.com/office/drawing/2014/main" id="{A246A629-D328-C751-8F88-39EF7B9FD8EC}"/>
               </a:ext>
             </a:extLst>
           </p:cNvPr>
@@ -11611,8 +10877,8 @@
         </p:nvSpPr>
         <p:spPr>
           <a:xfrm>
-            <a:off x="338532" y="2097769"/>
-            <a:ext cx="11104228" cy="2719014"/>
+            <a:off x="655772" y="1729059"/>
+            <a:ext cx="11104228" cy="4031873"/>
           </a:xfrm>
           <a:prstGeom prst="rect">
             <a:avLst/>
@@ -11624,75 +10890,83 @@
           </a:bodyPr>
           <a:lstStyle/>
           <a:p>
-            <a:pPr marL="457200" indent="-457200">
-              <a:lnSpc>
-                <a:spcPct val="200000"/>
-              </a:lnSpc>
+            <a:pPr>
               <a:buFont typeface="Arial" panose="020B0604020202020204" pitchFamily="34" charset="0"/>
               <a:buChar char="•"/>
             </a:pPr>
             <a:r>
-              <a:rPr lang="pt-BR" sz="3000" dirty="0">
+              <a:rPr lang="pt-BR" sz="3200" b="1" dirty="0">
                 <a:latin typeface="Arial" panose="020B0604020202020204" pitchFamily="34" charset="0"/>
                 <a:cs typeface="Arial" panose="020B0604020202020204" pitchFamily="34" charset="0"/>
               </a:rPr>
-              <a:t>Testes funcionais avaliam funcionalidades específicas.</a:t>
-            </a:r>
-          </a:p>
-          <a:p>
-            <a:pPr marL="457200" indent="-457200">
-              <a:lnSpc>
-                <a:spcPct val="200000"/>
-              </a:lnSpc>
+              <a:t>Teste de Aceitação do Usuário (UAT):</a:t>
+            </a:r>
+            <a:r>
+              <a:rPr lang="pt-BR" sz="3200" dirty="0">
+                <a:latin typeface="Arial" panose="020B0604020202020204" pitchFamily="34" charset="0"/>
+                <a:cs typeface="Arial" panose="020B0604020202020204" pitchFamily="34" charset="0"/>
+              </a:rPr>
+              <a:t> Validado diretamente pelo cliente ou usuário final.</a:t>
+            </a:r>
+          </a:p>
+          <a:p>
+            <a:pPr>
               <a:buFont typeface="Arial" panose="020B0604020202020204" pitchFamily="34" charset="0"/>
               <a:buChar char="•"/>
             </a:pPr>
             <a:r>
-              <a:rPr lang="pt-BR" sz="3000" dirty="0">
+              <a:rPr lang="pt-BR" sz="3200" b="1" dirty="0">
                 <a:latin typeface="Arial" panose="020B0604020202020204" pitchFamily="34" charset="0"/>
                 <a:cs typeface="Arial" panose="020B0604020202020204" pitchFamily="34" charset="0"/>
               </a:rPr>
-              <a:t>Testes de aceitação validam o sistema como um todo segundo critérios do cliente.</a:t>
-            </a:r>
-          </a:p>
-        </p:txBody>
-      </p:sp>
-      <p:sp>
-        <p:nvSpPr>
-          <p:cNvPr id="3" name="Retângulo 2">
-            <a:extLst>
-              <a:ext uri="{FF2B5EF4-FFF2-40B4-BE49-F238E27FC236}">
-                <a16:creationId xmlns:a16="http://schemas.microsoft.com/office/drawing/2014/main" id="{7629198B-D687-42D3-BAA3-984B000E7B5E}"/>
-              </a:ext>
-            </a:extLst>
-          </p:cNvPr>
-          <p:cNvSpPr/>
-          <p:nvPr/>
-        </p:nvSpPr>
-        <p:spPr>
-          <a:xfrm>
-            <a:off x="304671" y="1244084"/>
-            <a:ext cx="11305467" cy="584775"/>
-          </a:xfrm>
-          <a:prstGeom prst="rect">
-            <a:avLst/>
-          </a:prstGeom>
-        </p:spPr>
-        <p:txBody>
-          <a:bodyPr wrap="none">
-            <a:spAutoFit/>
-          </a:bodyPr>
-          <a:lstStyle/>
-          <a:p>
-            <a:r>
-              <a:rPr lang="pt-BR" sz="3200" b="1" dirty="0">
-                <a:solidFill>
-                  <a:srgbClr val="C00000"/>
-                </a:solidFill>
+              <a:t>Teste de Aceitação de Contrato:</a:t>
+            </a:r>
+            <a:r>
+              <a:rPr lang="pt-BR" sz="3200" dirty="0">
                 <a:latin typeface="Arial" panose="020B0604020202020204" pitchFamily="34" charset="0"/>
                 <a:cs typeface="Arial" panose="020B0604020202020204" pitchFamily="34" charset="0"/>
               </a:rPr>
-              <a:t>Diferença entre Testes Funcionais e Testes de Aceitação:</a:t>
+              <a:t> Verifica se o software atende aos termos contratuais acordados.</a:t>
+            </a:r>
+          </a:p>
+          <a:p>
+            <a:pPr>
+              <a:buFont typeface="Arial" panose="020B0604020202020204" pitchFamily="34" charset="0"/>
+              <a:buChar char="•"/>
+            </a:pPr>
+            <a:r>
+              <a:rPr lang="pt-BR" sz="3200" b="1" dirty="0">
+                <a:latin typeface="Arial" panose="020B0604020202020204" pitchFamily="34" charset="0"/>
+                <a:cs typeface="Arial" panose="020B0604020202020204" pitchFamily="34" charset="0"/>
+              </a:rPr>
+              <a:t>Teste de Aceitação Operacional:</a:t>
+            </a:r>
+            <a:r>
+              <a:rPr lang="pt-BR" sz="3200" dirty="0">
+                <a:latin typeface="Arial" panose="020B0604020202020204" pitchFamily="34" charset="0"/>
+                <a:cs typeface="Arial" panose="020B0604020202020204" pitchFamily="34" charset="0"/>
+              </a:rPr>
+              <a:t> Avalia o desempenho do sistema em ambiente de produção.</a:t>
+            </a:r>
+          </a:p>
+          <a:p>
+            <a:pPr>
+              <a:buFont typeface="Arial" panose="020B0604020202020204" pitchFamily="34" charset="0"/>
+              <a:buChar char="•"/>
+            </a:pPr>
+            <a:r>
+              <a:rPr lang="pt-BR" sz="3200" b="1" dirty="0">
+                <a:latin typeface="Arial" panose="020B0604020202020204" pitchFamily="34" charset="0"/>
+                <a:cs typeface="Arial" panose="020B0604020202020204" pitchFamily="34" charset="0"/>
+              </a:rPr>
+              <a:t>Teste de Aceitação Regulamentar:</a:t>
+            </a:r>
+            <a:r>
+              <a:rPr lang="pt-BR" sz="3200" dirty="0">
+                <a:latin typeface="Arial" panose="020B0604020202020204" pitchFamily="34" charset="0"/>
+                <a:cs typeface="Arial" panose="020B0604020202020204" pitchFamily="34" charset="0"/>
+              </a:rPr>
+              <a:t> Confirma a conformidade do software com normas e regulamentações.</a:t>
             </a:r>
           </a:p>
         </p:txBody>
@@ -11700,7 +10974,7 @@
     </p:spTree>
     <p:extLst>
       <p:ext uri="{BB962C8B-B14F-4D97-AF65-F5344CB8AC3E}">
-        <p14:creationId xmlns:p14="http://schemas.microsoft.com/office/powerpoint/2010/main" val="493877126"/>
+        <p14:creationId xmlns:p14="http://schemas.microsoft.com/office/powerpoint/2010/main" val="4167050900"/>
       </p:ext>
     </p:extLst>
   </p:cSld>
@@ -11718,7 +10992,7 @@
         <p:cNvPr id="1" name="">
           <a:extLst>
             <a:ext uri="{FF2B5EF4-FFF2-40B4-BE49-F238E27FC236}">
-              <a16:creationId xmlns:a16="http://schemas.microsoft.com/office/drawing/2014/main" id="{FFCD9414-F9F8-1376-5AAD-0E307D37594E}"/>
+              <a16:creationId xmlns:a16="http://schemas.microsoft.com/office/drawing/2014/main" id="{2E6EF3BE-0315-D351-8F88-96EA0DB07943}"/>
             </a:ext>
           </a:extLst>
         </p:cNvPr>
@@ -11738,7 +11012,7 @@
           <p:cNvPr id="9" name="Picture 4" descr="Não perca: nova turma do curso de Mestre de Obras em Campinas | Sinduscon-SP">
             <a:extLst>
               <a:ext uri="{FF2B5EF4-FFF2-40B4-BE49-F238E27FC236}">
-                <a16:creationId xmlns:a16="http://schemas.microsoft.com/office/drawing/2014/main" id="{68F05980-C4B1-58B6-5278-DCFDB037EE06}"/>
+                <a16:creationId xmlns:a16="http://schemas.microsoft.com/office/drawing/2014/main" id="{5FB95767-95CA-B58F-029E-B37F559C2FD8}"/>
               </a:ext>
             </a:extLst>
           </p:cNvPr>
@@ -11785,7 +11059,7 @@
           <p:cNvPr id="11" name="Título 6">
             <a:extLst>
               <a:ext uri="{FF2B5EF4-FFF2-40B4-BE49-F238E27FC236}">
-                <a16:creationId xmlns:a16="http://schemas.microsoft.com/office/drawing/2014/main" id="{280C12CD-608F-44F8-B05D-0D4DB60EE216}"/>
+                <a16:creationId xmlns:a16="http://schemas.microsoft.com/office/drawing/2014/main" id="{AFE58201-EC73-369D-2FF7-86F2518DBB2A}"/>
               </a:ext>
             </a:extLst>
           </p:cNvPr>
@@ -11839,7 +11113,7 @@
                 <a:ea typeface="Cambria" panose="02040503050406030204" pitchFamily="18" charset="0"/>
                 <a:cs typeface="Arial" panose="020B0604020202020204" pitchFamily="34" charset="0"/>
               </a:rPr>
-              <a:t>Teste de Aceite - Objetivo</a:t>
+              <a:t>Teste de Aceite</a:t>
             </a:r>
           </a:p>
         </p:txBody>
@@ -11849,7 +11123,7 @@
           <p:cNvPr id="2" name="Retângulo 1">
             <a:extLst>
               <a:ext uri="{FF2B5EF4-FFF2-40B4-BE49-F238E27FC236}">
-                <a16:creationId xmlns:a16="http://schemas.microsoft.com/office/drawing/2014/main" id="{C1DEF1C4-2197-3B5A-B987-CCA7710573C4}"/>
+                <a16:creationId xmlns:a16="http://schemas.microsoft.com/office/drawing/2014/main" id="{D90F849D-1367-A6D6-E585-D2FFC246D436}"/>
               </a:ext>
             </a:extLst>
           </p:cNvPr>
@@ -11858,8 +11132,8 @@
         </p:nvSpPr>
         <p:spPr>
           <a:xfrm>
-            <a:off x="200090" y="2620070"/>
-            <a:ext cx="11791817" cy="2955746"/>
+            <a:off x="655772" y="1729059"/>
+            <a:ext cx="11104228" cy="4031873"/>
           </a:xfrm>
           <a:prstGeom prst="rect">
             <a:avLst/>
@@ -11871,91 +11145,83 @@
           </a:bodyPr>
           <a:lstStyle/>
           <a:p>
-            <a:pPr marL="457200" indent="-457200">
-              <a:lnSpc>
-                <a:spcPct val="150000"/>
-              </a:lnSpc>
+            <a:pPr>
               <a:buFont typeface="Arial" panose="020B0604020202020204" pitchFamily="34" charset="0"/>
               <a:buChar char="•"/>
             </a:pPr>
+            <a:r>
+              <a:rPr lang="pt-BR" sz="3200" b="1" dirty="0">
+                <a:latin typeface="Arial" panose="020B0604020202020204" pitchFamily="34" charset="0"/>
+                <a:cs typeface="Arial" panose="020B0604020202020204" pitchFamily="34" charset="0"/>
+              </a:rPr>
+              <a:t>Teste de Aceitação do Usuário (UAT):</a:t>
+            </a:r>
             <a:r>
               <a:rPr lang="pt-BR" sz="3200" dirty="0">
                 <a:latin typeface="Arial" panose="020B0604020202020204" pitchFamily="34" charset="0"/>
                 <a:cs typeface="Arial" panose="020B0604020202020204" pitchFamily="34" charset="0"/>
               </a:rPr>
-              <a:t>Redução de custos com retrabalho.</a:t>
-            </a:r>
-          </a:p>
-          <a:p>
-            <a:pPr marL="457200" indent="-457200">
-              <a:lnSpc>
-                <a:spcPct val="150000"/>
-              </a:lnSpc>
+              <a:t> Validado diretamente pelo cliente ou usuário final.</a:t>
+            </a:r>
+          </a:p>
+          <a:p>
+            <a:pPr>
               <a:buFont typeface="Arial" panose="020B0604020202020204" pitchFamily="34" charset="0"/>
               <a:buChar char="•"/>
             </a:pPr>
+            <a:r>
+              <a:rPr lang="pt-BR" sz="3200" b="1" dirty="0">
+                <a:latin typeface="Arial" panose="020B0604020202020204" pitchFamily="34" charset="0"/>
+                <a:cs typeface="Arial" panose="020B0604020202020204" pitchFamily="34" charset="0"/>
+              </a:rPr>
+              <a:t>Teste de Aceitação de Contrato:</a:t>
+            </a:r>
             <a:r>
               <a:rPr lang="pt-BR" sz="3200" dirty="0">
                 <a:latin typeface="Arial" panose="020B0604020202020204" pitchFamily="34" charset="0"/>
                 <a:cs typeface="Arial" panose="020B0604020202020204" pitchFamily="34" charset="0"/>
               </a:rPr>
-              <a:t>Maior alinhamento entre stakeholders e equipe de desenvolvimento.</a:t>
-            </a:r>
-          </a:p>
-          <a:p>
-            <a:pPr marL="457200" indent="-457200">
-              <a:lnSpc>
-                <a:spcPct val="150000"/>
-              </a:lnSpc>
+              <a:t> Verifica se o software atende aos termos contratuais acordados.</a:t>
+            </a:r>
+          </a:p>
+          <a:p>
+            <a:pPr>
               <a:buFont typeface="Arial" panose="020B0604020202020204" pitchFamily="34" charset="0"/>
               <a:buChar char="•"/>
             </a:pPr>
+            <a:r>
+              <a:rPr lang="pt-BR" sz="3200" b="1" dirty="0">
+                <a:latin typeface="Arial" panose="020B0604020202020204" pitchFamily="34" charset="0"/>
+                <a:cs typeface="Arial" panose="020B0604020202020204" pitchFamily="34" charset="0"/>
+              </a:rPr>
+              <a:t>Teste de Aceitação Operacional:</a:t>
+            </a:r>
             <a:r>
               <a:rPr lang="pt-BR" sz="3200" dirty="0">
                 <a:latin typeface="Arial" panose="020B0604020202020204" pitchFamily="34" charset="0"/>
                 <a:cs typeface="Arial" panose="020B0604020202020204" pitchFamily="34" charset="0"/>
               </a:rPr>
-              <a:t>Entrega de um software mais confiável.</a:t>
-            </a:r>
-          </a:p>
-        </p:txBody>
-      </p:sp>
-      <p:sp>
-        <p:nvSpPr>
-          <p:cNvPr id="3" name="Retângulo 2">
-            <a:extLst>
-              <a:ext uri="{FF2B5EF4-FFF2-40B4-BE49-F238E27FC236}">
-                <a16:creationId xmlns:a16="http://schemas.microsoft.com/office/drawing/2014/main" id="{7629198B-D687-42D3-BAA3-984B000E7B5E}"/>
-              </a:ext>
-            </a:extLst>
-          </p:cNvPr>
-          <p:cNvSpPr/>
-          <p:nvPr/>
-        </p:nvSpPr>
-        <p:spPr>
-          <a:xfrm>
-            <a:off x="200091" y="1282184"/>
-            <a:ext cx="11791818" cy="584775"/>
-          </a:xfrm>
-          <a:prstGeom prst="rect">
-            <a:avLst/>
-          </a:prstGeom>
-        </p:spPr>
-        <p:txBody>
-          <a:bodyPr wrap="none">
-            <a:spAutoFit/>
-          </a:bodyPr>
-          <a:lstStyle/>
-          <a:p>
-            <a:r>
-              <a:rPr lang="pt-BR" sz="3200" dirty="0">
-                <a:solidFill>
-                  <a:srgbClr val="C00000"/>
-                </a:solidFill>
+              <a:t> Avalia o desempenho do sistema em ambiente de produção.</a:t>
+            </a:r>
+          </a:p>
+          <a:p>
+            <a:pPr>
+              <a:buFont typeface="Arial" panose="020B0604020202020204" pitchFamily="34" charset="0"/>
+              <a:buChar char="•"/>
+            </a:pPr>
+            <a:r>
+              <a:rPr lang="pt-BR" sz="3200" b="1" dirty="0">
                 <a:latin typeface="Arial" panose="020B0604020202020204" pitchFamily="34" charset="0"/>
                 <a:cs typeface="Arial" panose="020B0604020202020204" pitchFamily="34" charset="0"/>
               </a:rPr>
-              <a:t>Benefícios dos Testes de Aceitação para as partes interessadas</a:t>
+              <a:t>Teste de Aceitação Regulamentar:</a:t>
+            </a:r>
+            <a:r>
+              <a:rPr lang="pt-BR" sz="3200" dirty="0">
+                <a:latin typeface="Arial" panose="020B0604020202020204" pitchFamily="34" charset="0"/>
+                <a:cs typeface="Arial" panose="020B0604020202020204" pitchFamily="34" charset="0"/>
+              </a:rPr>
+              <a:t> Confirma a conformidade do software com normas e regulamentações.</a:t>
             </a:r>
           </a:p>
         </p:txBody>
@@ -11963,7 +11229,7 @@
     </p:spTree>
     <p:extLst>
       <p:ext uri="{BB962C8B-B14F-4D97-AF65-F5344CB8AC3E}">
-        <p14:creationId xmlns:p14="http://schemas.microsoft.com/office/powerpoint/2010/main" val="3819276889"/>
+        <p14:creationId xmlns:p14="http://schemas.microsoft.com/office/powerpoint/2010/main" val="1639858738"/>
       </p:ext>
     </p:extLst>
   </p:cSld>
@@ -11981,7 +11247,7 @@
         <p:cNvPr id="1" name="">
           <a:extLst>
             <a:ext uri="{FF2B5EF4-FFF2-40B4-BE49-F238E27FC236}">
-              <a16:creationId xmlns:a16="http://schemas.microsoft.com/office/drawing/2014/main" id="{FFCD9414-F9F8-1376-5AAD-0E307D37594E}"/>
+              <a16:creationId xmlns:a16="http://schemas.microsoft.com/office/drawing/2014/main" id="{F2AC20C0-F530-8D48-5A48-B1EB20424D50}"/>
             </a:ext>
           </a:extLst>
         </p:cNvPr>
@@ -12001,7 +11267,7 @@
           <p:cNvPr id="9" name="Picture 4" descr="Não perca: nova turma do curso de Mestre de Obras em Campinas | Sinduscon-SP">
             <a:extLst>
               <a:ext uri="{FF2B5EF4-FFF2-40B4-BE49-F238E27FC236}">
-                <a16:creationId xmlns:a16="http://schemas.microsoft.com/office/drawing/2014/main" id="{68F05980-C4B1-58B6-5278-DCFDB037EE06}"/>
+                <a16:creationId xmlns:a16="http://schemas.microsoft.com/office/drawing/2014/main" id="{419D339E-7237-F7B9-D771-37BAAFBF2690}"/>
               </a:ext>
             </a:extLst>
           </p:cNvPr>
@@ -12048,7 +11314,7 @@
           <p:cNvPr id="11" name="Título 6">
             <a:extLst>
               <a:ext uri="{FF2B5EF4-FFF2-40B4-BE49-F238E27FC236}">
-                <a16:creationId xmlns:a16="http://schemas.microsoft.com/office/drawing/2014/main" id="{280C12CD-608F-44F8-B05D-0D4DB60EE216}"/>
+                <a16:creationId xmlns:a16="http://schemas.microsoft.com/office/drawing/2014/main" id="{1850AEA2-29E3-35B3-FE6A-C1D78C054217}"/>
               </a:ext>
             </a:extLst>
           </p:cNvPr>
@@ -12109,24 +11375,25 @@
       </p:sp>
       <p:sp>
         <p:nvSpPr>
-          <p:cNvPr id="2" name="Retângulo 1">
-            <a:extLst>
-              <a:ext uri="{FF2B5EF4-FFF2-40B4-BE49-F238E27FC236}">
-                <a16:creationId xmlns:a16="http://schemas.microsoft.com/office/drawing/2014/main" id="{C1DEF1C4-2197-3B5A-B987-CCA7710573C4}"/>
-              </a:ext>
-            </a:extLst>
-          </p:cNvPr>
-          <p:cNvSpPr/>
+          <p:cNvPr id="4" name="CaixaDeTexto 3">
+            <a:extLst>
+              <a:ext uri="{FF2B5EF4-FFF2-40B4-BE49-F238E27FC236}">
+                <a16:creationId xmlns:a16="http://schemas.microsoft.com/office/drawing/2014/main" id="{840DEF99-BEB2-1108-889F-3A78BDBD7B1D}"/>
+              </a:ext>
+            </a:extLst>
+          </p:cNvPr>
+          <p:cNvSpPr txBox="1"/>
           <p:nvPr/>
         </p:nvSpPr>
         <p:spPr>
           <a:xfrm>
-            <a:off x="230547" y="1703582"/>
-            <a:ext cx="11791817" cy="4455835"/>
+            <a:off x="432000" y="1061883"/>
+            <a:ext cx="11328000" cy="5016758"/>
           </a:xfrm>
           <a:prstGeom prst="rect">
             <a:avLst/>
           </a:prstGeom>
+          <a:noFill/>
         </p:spPr>
         <p:txBody>
           <a:bodyPr wrap="square">
@@ -12135,126 +11402,130 @@
           <a:lstStyle/>
           <a:p>
             <a:pPr>
-              <a:lnSpc>
-                <a:spcPct val="150000"/>
-              </a:lnSpc>
+              <a:buNone/>
             </a:pPr>
             <a:r>
-              <a:rPr lang="pt-BR" sz="2400" b="1" dirty="0">
+              <a:rPr lang="pt-BR" sz="3200" b="1" dirty="0">
                 <a:latin typeface="Arial" panose="020B0604020202020204" pitchFamily="34" charset="0"/>
                 <a:cs typeface="Arial" panose="020B0604020202020204" pitchFamily="34" charset="0"/>
               </a:rPr>
-              <a:t>Teste de Aceitação do Usuário (UAT):</a:t>
-            </a:r>
-            <a:r>
-              <a:rPr lang="pt-BR" sz="2400" dirty="0">
+              <a:t>Planejamento de Testes de Aceitação </a:t>
+            </a:r>
+          </a:p>
+          <a:p>
+            <a:pPr>
+              <a:buFont typeface="Arial" panose="020B0604020202020204" pitchFamily="34" charset="0"/>
+              <a:buChar char="•"/>
+            </a:pPr>
+            <a:r>
+              <a:rPr lang="pt-BR" sz="3200" b="1" dirty="0">
                 <a:latin typeface="Arial" panose="020B0604020202020204" pitchFamily="34" charset="0"/>
                 <a:cs typeface="Arial" panose="020B0604020202020204" pitchFamily="34" charset="0"/>
               </a:rPr>
-              <a:t> Validado diretamente pelo cliente ou usuário final.</a:t>
-            </a:r>
-          </a:p>
-          <a:p>
-            <a:pPr>
-              <a:lnSpc>
-                <a:spcPct val="150000"/>
-              </a:lnSpc>
+              <a:t>Definição de Critérios de Aceite:</a:t>
+            </a:r>
+            <a:endParaRPr lang="pt-BR" sz="3200" dirty="0">
+              <a:latin typeface="Arial" panose="020B0604020202020204" pitchFamily="34" charset="0"/>
+              <a:cs typeface="Arial" panose="020B0604020202020204" pitchFamily="34" charset="0"/>
+            </a:endParaRPr>
+          </a:p>
+          <a:p>
+            <a:pPr marL="742950" lvl="1" indent="-285750">
+              <a:buFont typeface="Arial" panose="020B0604020202020204" pitchFamily="34" charset="0"/>
+              <a:buChar char="•"/>
             </a:pPr>
             <a:r>
-              <a:rPr lang="pt-BR" sz="2400" b="1" dirty="0">
+              <a:rPr lang="pt-BR" sz="3200" dirty="0">
                 <a:latin typeface="Arial" panose="020B0604020202020204" pitchFamily="34" charset="0"/>
                 <a:cs typeface="Arial" panose="020B0604020202020204" pitchFamily="34" charset="0"/>
               </a:rPr>
-              <a:t>Teste de Aceitação de Contrato:</a:t>
-            </a:r>
-            <a:r>
-              <a:rPr lang="pt-BR" sz="2400" dirty="0">
+              <a:t>Determinar critérios claros e mensuráveis para aceitação do software.</a:t>
+            </a:r>
+          </a:p>
+          <a:p>
+            <a:pPr>
+              <a:buFont typeface="Arial" panose="020B0604020202020204" pitchFamily="34" charset="0"/>
+              <a:buChar char="•"/>
+            </a:pPr>
+            <a:r>
+              <a:rPr lang="pt-BR" sz="3200" b="1" dirty="0">
                 <a:latin typeface="Arial" panose="020B0604020202020204" pitchFamily="34" charset="0"/>
                 <a:cs typeface="Arial" panose="020B0604020202020204" pitchFamily="34" charset="0"/>
               </a:rPr>
-              <a:t> Verifica se o software atende aos termos contratuais acordados.</a:t>
-            </a:r>
-          </a:p>
-          <a:p>
-            <a:pPr>
-              <a:lnSpc>
-                <a:spcPct val="150000"/>
-              </a:lnSpc>
+              <a:t>Elaboração de Casos de Teste:</a:t>
+            </a:r>
+            <a:endParaRPr lang="pt-BR" sz="3200" dirty="0">
+              <a:latin typeface="Arial" panose="020B0604020202020204" pitchFamily="34" charset="0"/>
+              <a:cs typeface="Arial" panose="020B0604020202020204" pitchFamily="34" charset="0"/>
+            </a:endParaRPr>
+          </a:p>
+          <a:p>
+            <a:pPr marL="742950" lvl="1" indent="-285750">
+              <a:buFont typeface="Arial" panose="020B0604020202020204" pitchFamily="34" charset="0"/>
+              <a:buChar char="•"/>
             </a:pPr>
             <a:r>
-              <a:rPr lang="pt-BR" sz="2400" b="1" dirty="0">
+              <a:rPr lang="pt-BR" sz="3200" dirty="0">
                 <a:latin typeface="Arial" panose="020B0604020202020204" pitchFamily="34" charset="0"/>
                 <a:cs typeface="Arial" panose="020B0604020202020204" pitchFamily="34" charset="0"/>
               </a:rPr>
-              <a:t>Teste de Aceitação Operacional:</a:t>
-            </a:r>
-            <a:r>
-              <a:rPr lang="pt-BR" sz="2400" dirty="0">
+              <a:t>Identificação de cenários críticos de uso.</a:t>
+            </a:r>
+          </a:p>
+          <a:p>
+            <a:pPr marL="742950" lvl="1" indent="-285750">
+              <a:buFont typeface="Arial" panose="020B0604020202020204" pitchFamily="34" charset="0"/>
+              <a:buChar char="•"/>
+            </a:pPr>
+            <a:r>
+              <a:rPr lang="pt-BR" sz="3200" dirty="0">
                 <a:latin typeface="Arial" panose="020B0604020202020204" pitchFamily="34" charset="0"/>
                 <a:cs typeface="Arial" panose="020B0604020202020204" pitchFamily="34" charset="0"/>
               </a:rPr>
-              <a:t> Avalia o desempenho do sistema em ambiente de produção.</a:t>
+              <a:t>Definição de entradas, ações e resultados esperados.</a:t>
             </a:r>
           </a:p>
           <a:p>
             <a:pPr>
-              <a:lnSpc>
-                <a:spcPct val="150000"/>
-              </a:lnSpc>
+              <a:buFont typeface="Arial" panose="020B0604020202020204" pitchFamily="34" charset="0"/>
+              <a:buChar char="•"/>
             </a:pPr>
             <a:r>
-              <a:rPr lang="pt-BR" sz="2400" b="1" dirty="0">
+              <a:rPr lang="pt-BR" sz="3200" b="1" dirty="0">
                 <a:latin typeface="Arial" panose="020B0604020202020204" pitchFamily="34" charset="0"/>
                 <a:cs typeface="Arial" panose="020B0604020202020204" pitchFamily="34" charset="0"/>
               </a:rPr>
-              <a:t>Teste de Aceitação Regulamentar:</a:t>
-            </a:r>
-            <a:r>
-              <a:rPr lang="pt-BR" sz="2400" dirty="0">
+              <a:t>Boas Práticas para Redação de Testes de Aceitação:</a:t>
+            </a:r>
+            <a:endParaRPr lang="pt-BR" sz="3200" dirty="0">
+              <a:latin typeface="Arial" panose="020B0604020202020204" pitchFamily="34" charset="0"/>
+              <a:cs typeface="Arial" panose="020B0604020202020204" pitchFamily="34" charset="0"/>
+            </a:endParaRPr>
+          </a:p>
+          <a:p>
+            <a:pPr marL="742950" lvl="1" indent="-285750">
+              <a:buFont typeface="Arial" panose="020B0604020202020204" pitchFamily="34" charset="0"/>
+              <a:buChar char="•"/>
+            </a:pPr>
+            <a:r>
+              <a:rPr lang="pt-BR" sz="3200" dirty="0">
                 <a:latin typeface="Arial" panose="020B0604020202020204" pitchFamily="34" charset="0"/>
                 <a:cs typeface="Arial" panose="020B0604020202020204" pitchFamily="34" charset="0"/>
               </a:rPr>
-              <a:t> Confirma a conformidade do software com normas e regulamentações.</a:t>
-            </a:r>
-          </a:p>
-        </p:txBody>
-      </p:sp>
-      <p:sp>
-        <p:nvSpPr>
-          <p:cNvPr id="3" name="Retângulo 2">
-            <a:extLst>
-              <a:ext uri="{FF2B5EF4-FFF2-40B4-BE49-F238E27FC236}">
-                <a16:creationId xmlns:a16="http://schemas.microsoft.com/office/drawing/2014/main" id="{7629198B-D687-42D3-BAA3-984B000E7B5E}"/>
-              </a:ext>
-            </a:extLst>
-          </p:cNvPr>
-          <p:cNvSpPr/>
-          <p:nvPr/>
-        </p:nvSpPr>
-        <p:spPr>
-          <a:xfrm>
-            <a:off x="261003" y="1045683"/>
-            <a:ext cx="5865452" cy="584775"/>
-          </a:xfrm>
-          <a:prstGeom prst="rect">
-            <a:avLst/>
-          </a:prstGeom>
-        </p:spPr>
-        <p:txBody>
-          <a:bodyPr wrap="none">
-            <a:spAutoFit/>
-          </a:bodyPr>
-          <a:lstStyle/>
-          <a:p>
-            <a:r>
-              <a:rPr lang="pt-BR" sz="3200" b="1" dirty="0">
-                <a:solidFill>
-                  <a:srgbClr val="C00000"/>
-                </a:solidFill>
+              <a:t>Clareza e objetividade nos cenários.</a:t>
+            </a:r>
+          </a:p>
+          <a:p>
+            <a:pPr marL="742950" lvl="1" indent="-285750">
+              <a:buFont typeface="Arial" panose="020B0604020202020204" pitchFamily="34" charset="0"/>
+              <a:buChar char="•"/>
+            </a:pPr>
+            <a:r>
+              <a:rPr lang="pt-BR" sz="3200" dirty="0">
                 <a:latin typeface="Arial" panose="020B0604020202020204" pitchFamily="34" charset="0"/>
                 <a:cs typeface="Arial" panose="020B0604020202020204" pitchFamily="34" charset="0"/>
               </a:rPr>
-              <a:t>Tipos de Testes de Aceitação</a:t>
+              <a:t>Cobertura de casos positivos e negativos.</a:t>
             </a:r>
           </a:p>
         </p:txBody>
@@ -12262,7 +11533,7 @@
     </p:spTree>
     <p:extLst>
       <p:ext uri="{BB962C8B-B14F-4D97-AF65-F5344CB8AC3E}">
-        <p14:creationId xmlns:p14="http://schemas.microsoft.com/office/powerpoint/2010/main" val="2671444577"/>
+        <p14:creationId xmlns:p14="http://schemas.microsoft.com/office/powerpoint/2010/main" val="182885204"/>
       </p:ext>
     </p:extLst>
   </p:cSld>
@@ -12280,7 +11551,7 @@
         <p:cNvPr id="1" name="">
           <a:extLst>
             <a:ext uri="{FF2B5EF4-FFF2-40B4-BE49-F238E27FC236}">
-              <a16:creationId xmlns:a16="http://schemas.microsoft.com/office/drawing/2014/main" id="{FFCD9414-F9F8-1376-5AAD-0E307D37594E}"/>
+              <a16:creationId xmlns:a16="http://schemas.microsoft.com/office/drawing/2014/main" id="{6A9CCE32-D5B6-6CB0-3F91-69A2BABD457E}"/>
             </a:ext>
           </a:extLst>
         </p:cNvPr>
@@ -12300,7 +11571,7 @@
           <p:cNvPr id="9" name="Picture 4" descr="Não perca: nova turma do curso de Mestre de Obras em Campinas | Sinduscon-SP">
             <a:extLst>
               <a:ext uri="{FF2B5EF4-FFF2-40B4-BE49-F238E27FC236}">
-                <a16:creationId xmlns:a16="http://schemas.microsoft.com/office/drawing/2014/main" id="{68F05980-C4B1-58B6-5278-DCFDB037EE06}"/>
+                <a16:creationId xmlns:a16="http://schemas.microsoft.com/office/drawing/2014/main" id="{B21276C1-4890-6790-68E6-F9A509FEB80A}"/>
               </a:ext>
             </a:extLst>
           </p:cNvPr>
@@ -12347,7 +11618,7 @@
           <p:cNvPr id="11" name="Título 6">
             <a:extLst>
               <a:ext uri="{FF2B5EF4-FFF2-40B4-BE49-F238E27FC236}">
-                <a16:creationId xmlns:a16="http://schemas.microsoft.com/office/drawing/2014/main" id="{280C12CD-608F-44F8-B05D-0D4DB60EE216}"/>
+                <a16:creationId xmlns:a16="http://schemas.microsoft.com/office/drawing/2014/main" id="{887838B9-CECB-2475-9D1B-C92EF1144591}"/>
               </a:ext>
             </a:extLst>
           </p:cNvPr>
@@ -12408,24 +11679,25 @@
       </p:sp>
       <p:sp>
         <p:nvSpPr>
-          <p:cNvPr id="2" name="Retângulo 1">
-            <a:extLst>
-              <a:ext uri="{FF2B5EF4-FFF2-40B4-BE49-F238E27FC236}">
-                <a16:creationId xmlns:a16="http://schemas.microsoft.com/office/drawing/2014/main" id="{C1DEF1C4-2197-3B5A-B987-CCA7710573C4}"/>
-              </a:ext>
-            </a:extLst>
-          </p:cNvPr>
-          <p:cNvSpPr/>
+          <p:cNvPr id="4" name="CaixaDeTexto 3">
+            <a:extLst>
+              <a:ext uri="{FF2B5EF4-FFF2-40B4-BE49-F238E27FC236}">
+                <a16:creationId xmlns:a16="http://schemas.microsoft.com/office/drawing/2014/main" id="{F1B2BE01-5CBA-23A0-DCA3-03E4C58ADB6E}"/>
+              </a:ext>
+            </a:extLst>
+          </p:cNvPr>
+          <p:cNvSpPr txBox="1"/>
           <p:nvPr/>
         </p:nvSpPr>
         <p:spPr>
           <a:xfrm>
-            <a:off x="261003" y="2294132"/>
-            <a:ext cx="11791817" cy="3323987"/>
+            <a:off x="432000" y="1061883"/>
+            <a:ext cx="11328000" cy="5693866"/>
           </a:xfrm>
           <a:prstGeom prst="rect">
             <a:avLst/>
           </a:prstGeom>
+          <a:noFill/>
         </p:spPr>
         <p:txBody>
           <a:bodyPr wrap="square">
@@ -12433,114 +11705,144 @@
           </a:bodyPr>
           <a:lstStyle/>
           <a:p>
-            <a:r>
-              <a:rPr lang="pt-BR" sz="3000" b="1" dirty="0">
+            <a:pPr>
+              <a:buNone/>
+            </a:pPr>
+            <a:r>
+              <a:rPr lang="pt-BR" sz="2800" b="1" dirty="0">
                 <a:latin typeface="Arial" panose="020B0604020202020204" pitchFamily="34" charset="0"/>
                 <a:cs typeface="Arial" panose="020B0604020202020204" pitchFamily="34" charset="0"/>
               </a:rPr>
-              <a:t>Definição de Critérios de Aceite:</a:t>
-            </a:r>
-            <a:endParaRPr lang="pt-BR" sz="3000" dirty="0">
+              <a:t>Teste Alfa e Teste Beta</a:t>
+            </a:r>
+          </a:p>
+          <a:p>
+            <a:pPr>
+              <a:buFont typeface="Arial" panose="020B0604020202020204" pitchFamily="34" charset="0"/>
+              <a:buChar char="•"/>
+            </a:pPr>
+            <a:r>
+              <a:rPr lang="pt-BR" sz="2800" b="1" dirty="0">
+                <a:latin typeface="Arial" panose="020B0604020202020204" pitchFamily="34" charset="0"/>
+                <a:cs typeface="Arial" panose="020B0604020202020204" pitchFamily="34" charset="0"/>
+              </a:rPr>
+              <a:t>Teste Alfa:</a:t>
+            </a:r>
+            <a:endParaRPr lang="pt-BR" sz="2800" dirty="0">
               <a:latin typeface="Arial" panose="020B0604020202020204" pitchFamily="34" charset="0"/>
               <a:cs typeface="Arial" panose="020B0604020202020204" pitchFamily="34" charset="0"/>
             </a:endParaRPr>
           </a:p>
           <a:p>
-            <a:pPr lvl="1"/>
-            <a:r>
-              <a:rPr lang="pt-BR" sz="3000" dirty="0">
+            <a:pPr marL="742950" lvl="1" indent="-285750">
+              <a:buFont typeface="Arial" panose="020B0604020202020204" pitchFamily="34" charset="0"/>
+              <a:buChar char="•"/>
+            </a:pPr>
+            <a:r>
+              <a:rPr lang="pt-BR" sz="2800" dirty="0">
                 <a:latin typeface="Arial" panose="020B0604020202020204" pitchFamily="34" charset="0"/>
                 <a:cs typeface="Arial" panose="020B0604020202020204" pitchFamily="34" charset="0"/>
               </a:rPr>
-              <a:t>Determinar critérios claros e mensuráveis para aceitação do software.</a:t>
-            </a:r>
-          </a:p>
-          <a:p>
-            <a:pPr lvl="1"/>
-            <a:endParaRPr lang="pt-BR" sz="3000" dirty="0">
+              <a:t>Executado internamente pela equipe de desenvolvimento e QA.</a:t>
+            </a:r>
+          </a:p>
+          <a:p>
+            <a:pPr marL="742950" lvl="1" indent="-285750">
+              <a:buFont typeface="Arial" panose="020B0604020202020204" pitchFamily="34" charset="0"/>
+              <a:buChar char="•"/>
+            </a:pPr>
+            <a:r>
+              <a:rPr lang="pt-BR" sz="2800" dirty="0">
+                <a:latin typeface="Arial" panose="020B0604020202020204" pitchFamily="34" charset="0"/>
+                <a:cs typeface="Arial" panose="020B0604020202020204" pitchFamily="34" charset="0"/>
+              </a:rPr>
+              <a:t>Simula o uso real do sistema antes do lançamento.</a:t>
+            </a:r>
+          </a:p>
+          <a:p>
+            <a:pPr marL="742950" lvl="1" indent="-285750">
+              <a:buFont typeface="Arial" panose="020B0604020202020204" pitchFamily="34" charset="0"/>
+              <a:buChar char="•"/>
+            </a:pPr>
+            <a:r>
+              <a:rPr lang="pt-BR" sz="2800" dirty="0">
+                <a:latin typeface="Arial" panose="020B0604020202020204" pitchFamily="34" charset="0"/>
+                <a:cs typeface="Arial" panose="020B0604020202020204" pitchFamily="34" charset="0"/>
+              </a:rPr>
+              <a:t>Objetivo: identificar defeitos críticos e validar requisitos antes de liberar para usuários reais.</a:t>
+            </a:r>
+          </a:p>
+          <a:p>
+            <a:pPr>
+              <a:buFont typeface="Arial" panose="020B0604020202020204" pitchFamily="34" charset="0"/>
+              <a:buChar char="•"/>
+            </a:pPr>
+            <a:r>
+              <a:rPr lang="pt-BR" sz="2800" b="1" dirty="0">
+                <a:latin typeface="Arial" panose="020B0604020202020204" pitchFamily="34" charset="0"/>
+                <a:cs typeface="Arial" panose="020B0604020202020204" pitchFamily="34" charset="0"/>
+              </a:rPr>
+              <a:t>Teste Beta:</a:t>
+            </a:r>
+            <a:endParaRPr lang="pt-BR" sz="2800" dirty="0">
               <a:latin typeface="Arial" panose="020B0604020202020204" pitchFamily="34" charset="0"/>
               <a:cs typeface="Arial" panose="020B0604020202020204" pitchFamily="34" charset="0"/>
             </a:endParaRPr>
           </a:p>
           <a:p>
-            <a:r>
-              <a:rPr lang="pt-BR" sz="3000" b="1" dirty="0">
+            <a:pPr marL="742950" lvl="1" indent="-285750">
+              <a:buFont typeface="Arial" panose="020B0604020202020204" pitchFamily="34" charset="0"/>
+              <a:buChar char="•"/>
+            </a:pPr>
+            <a:r>
+              <a:rPr lang="pt-BR" sz="2800" dirty="0">
                 <a:latin typeface="Arial" panose="020B0604020202020204" pitchFamily="34" charset="0"/>
                 <a:cs typeface="Arial" panose="020B0604020202020204" pitchFamily="34" charset="0"/>
               </a:rPr>
-              <a:t>Elaboração de Casos de Teste:</a:t>
-            </a:r>
-            <a:endParaRPr lang="pt-BR" sz="3000" dirty="0">
+              <a:t>Realizado por um grupo selecionado de usuários finais.</a:t>
+            </a:r>
+          </a:p>
+          <a:p>
+            <a:pPr marL="742950" lvl="1" indent="-285750">
+              <a:buFont typeface="Arial" panose="020B0604020202020204" pitchFamily="34" charset="0"/>
+              <a:buChar char="•"/>
+            </a:pPr>
+            <a:r>
+              <a:rPr lang="pt-BR" sz="2800" dirty="0">
+                <a:latin typeface="Arial" panose="020B0604020202020204" pitchFamily="34" charset="0"/>
+                <a:cs typeface="Arial" panose="020B0604020202020204" pitchFamily="34" charset="0"/>
+              </a:rPr>
+              <a:t>Permite coletar feedbacks reais sobre usabilidade e desempenho.</a:t>
+            </a:r>
+          </a:p>
+          <a:p>
+            <a:pPr marL="742950" lvl="1" indent="-285750">
+              <a:buFont typeface="Arial" panose="020B0604020202020204" pitchFamily="34" charset="0"/>
+              <a:buChar char="•"/>
+            </a:pPr>
+            <a:r>
+              <a:rPr lang="pt-BR" sz="2800" dirty="0">
+                <a:latin typeface="Arial" panose="020B0604020202020204" pitchFamily="34" charset="0"/>
+                <a:cs typeface="Arial" panose="020B0604020202020204" pitchFamily="34" charset="0"/>
+              </a:rPr>
+              <a:t>Objetivo: descobrir problemas que não foram identificados nos testes internos e ajustar o produto antes do lançamento oficial.</a:t>
+            </a:r>
+          </a:p>
+          <a:p>
+            <a:pPr>
+              <a:buNone/>
+            </a:pPr>
+            <a:endParaRPr lang="pt-BR" sz="2800" dirty="0">
               <a:latin typeface="Arial" panose="020B0604020202020204" pitchFamily="34" charset="0"/>
               <a:cs typeface="Arial" panose="020B0604020202020204" pitchFamily="34" charset="0"/>
             </a:endParaRPr>
           </a:p>
-          <a:p>
-            <a:pPr lvl="1"/>
-            <a:r>
-              <a:rPr lang="pt-BR" sz="3000" dirty="0">
-                <a:latin typeface="Arial" panose="020B0604020202020204" pitchFamily="34" charset="0"/>
-                <a:cs typeface="Arial" panose="020B0604020202020204" pitchFamily="34" charset="0"/>
-              </a:rPr>
-              <a:t>Identificação de cenários críticos de uso.</a:t>
-            </a:r>
-          </a:p>
-          <a:p>
-            <a:pPr lvl="1"/>
-            <a:r>
-              <a:rPr lang="pt-BR" sz="3000" dirty="0">
-                <a:latin typeface="Arial" panose="020B0604020202020204" pitchFamily="34" charset="0"/>
-                <a:cs typeface="Arial" panose="020B0604020202020204" pitchFamily="34" charset="0"/>
-              </a:rPr>
-              <a:t>Definição de entradas, ações e resultados esperados.</a:t>
-            </a:r>
-          </a:p>
-        </p:txBody>
-      </p:sp>
-      <p:sp>
-        <p:nvSpPr>
-          <p:cNvPr id="3" name="Retângulo 2">
-            <a:extLst>
-              <a:ext uri="{FF2B5EF4-FFF2-40B4-BE49-F238E27FC236}">
-                <a16:creationId xmlns:a16="http://schemas.microsoft.com/office/drawing/2014/main" id="{7629198B-D687-42D3-BAA3-984B000E7B5E}"/>
-              </a:ext>
-            </a:extLst>
-          </p:cNvPr>
-          <p:cNvSpPr/>
-          <p:nvPr/>
-        </p:nvSpPr>
-        <p:spPr>
-          <a:xfrm>
-            <a:off x="261003" y="1045683"/>
-            <a:ext cx="7445436" cy="584775"/>
-          </a:xfrm>
-          <a:prstGeom prst="rect">
-            <a:avLst/>
-          </a:prstGeom>
-        </p:spPr>
-        <p:txBody>
-          <a:bodyPr wrap="none">
-            <a:spAutoFit/>
-          </a:bodyPr>
-          <a:lstStyle/>
-          <a:p>
-            <a:r>
-              <a:rPr lang="pt-BR" sz="3200" b="1" dirty="0">
-                <a:solidFill>
-                  <a:srgbClr val="C00000"/>
-                </a:solidFill>
-                <a:latin typeface="Arial" panose="020B0604020202020204" pitchFamily="34" charset="0"/>
-                <a:cs typeface="Arial" panose="020B0604020202020204" pitchFamily="34" charset="0"/>
-              </a:rPr>
-              <a:t>Planejamento de Testes de Aceitação</a:t>
-            </a:r>
-          </a:p>
         </p:txBody>
       </p:sp>
     </p:spTree>
     <p:extLst>
       <p:ext uri="{BB962C8B-B14F-4D97-AF65-F5344CB8AC3E}">
-        <p14:creationId xmlns:p14="http://schemas.microsoft.com/office/powerpoint/2010/main" val="368152781"/>
+        <p14:creationId xmlns:p14="http://schemas.microsoft.com/office/powerpoint/2010/main" val="4273557461"/>
       </p:ext>
     </p:extLst>
   </p:cSld>
